--- a/FarewellPresentation.pptx
+++ b/FarewellPresentation.pptx
@@ -5,13 +5,17 @@
     <p:sldMasterId id="2147483818" r:id="rId1"/>
   </p:sldMasterIdLst>
   <p:sldIdLst>
-    <p:sldId id="257" r:id="rId2"/>
-    <p:sldId id="259" r:id="rId3"/>
-    <p:sldId id="258" r:id="rId4"/>
-    <p:sldId id="263" r:id="rId5"/>
-    <p:sldId id="260" r:id="rId6"/>
-    <p:sldId id="261" r:id="rId7"/>
-    <p:sldId id="262" r:id="rId8"/>
+    <p:sldId id="269" r:id="rId2"/>
+    <p:sldId id="257" r:id="rId3"/>
+    <p:sldId id="259" r:id="rId4"/>
+    <p:sldId id="258" r:id="rId5"/>
+    <p:sldId id="263" r:id="rId6"/>
+    <p:sldId id="264" r:id="rId7"/>
+    <p:sldId id="261" r:id="rId8"/>
+    <p:sldId id="265" r:id="rId9"/>
+    <p:sldId id="266" r:id="rId10"/>
+    <p:sldId id="267" r:id="rId11"/>
+    <p:sldId id="268" r:id="rId12"/>
   </p:sldIdLst>
   <p:sldSz cx="12192000" cy="6858000"/>
   <p:notesSz cx="6858000" cy="9144000"/>
@@ -110,6 +114,11 @@
       </a:defRPr>
     </a:lvl9pPr>
   </p:defaultTextStyle>
+  <p:extLst>
+    <p:ext uri="{EFAFB233-063F-42B5-8137-9DF3F51BA10A}">
+      <p15:sldGuideLst xmlns:p15="http://schemas.microsoft.com/office/powerpoint/2012/main"/>
+    </p:ext>
+  </p:extLst>
 </p:presentation>
 </file>
 
@@ -858,7 +867,7 @@
           <a:p>
             <a:fld id="{24130079-02C1-4A8B-92E7-6BAADADFA9E9}" type="datetimeFigureOut">
               <a:rPr lang="en-US" smtClean="0"/>
-              <a:t>8/8/2019</a:t>
+              <a:t>8/9/2019</a:t>
             </a:fld>
             <a:endParaRPr lang="en-US"/>
           </a:p>
@@ -1109,7 +1118,7 @@
           <a:p>
             <a:fld id="{24130079-02C1-4A8B-92E7-6BAADADFA9E9}" type="datetimeFigureOut">
               <a:rPr lang="en-US" smtClean="0"/>
-              <a:t>8/8/2019</a:t>
+              <a:t>8/9/2019</a:t>
             </a:fld>
             <a:endParaRPr lang="en-US"/>
           </a:p>
@@ -1423,7 +1432,7 @@
           <a:p>
             <a:fld id="{24130079-02C1-4A8B-92E7-6BAADADFA9E9}" type="datetimeFigureOut">
               <a:rPr lang="en-US" smtClean="0"/>
-              <a:t>8/8/2019</a:t>
+              <a:t>8/9/2019</a:t>
             </a:fld>
             <a:endParaRPr lang="en-US"/>
           </a:p>
@@ -1756,7 +1765,7 @@
           <a:p>
             <a:fld id="{24130079-02C1-4A8B-92E7-6BAADADFA9E9}" type="datetimeFigureOut">
               <a:rPr lang="en-US" smtClean="0"/>
-              <a:t>8/8/2019</a:t>
+              <a:t>8/9/2019</a:t>
             </a:fld>
             <a:endParaRPr lang="en-US"/>
           </a:p>
@@ -2070,7 +2079,7 @@
           <a:p>
             <a:fld id="{24130079-02C1-4A8B-92E7-6BAADADFA9E9}" type="datetimeFigureOut">
               <a:rPr lang="en-US" smtClean="0"/>
-              <a:t>8/8/2019</a:t>
+              <a:t>8/9/2019</a:t>
             </a:fld>
             <a:endParaRPr lang="en-US"/>
           </a:p>
@@ -2463,7 +2472,7 @@
           <a:p>
             <a:fld id="{24130079-02C1-4A8B-92E7-6BAADADFA9E9}" type="datetimeFigureOut">
               <a:rPr lang="en-US" smtClean="0"/>
-              <a:t>8/8/2019</a:t>
+              <a:t>8/9/2019</a:t>
             </a:fld>
             <a:endParaRPr lang="en-US"/>
           </a:p>
@@ -2633,7 +2642,7 @@
           <a:p>
             <a:fld id="{24130079-02C1-4A8B-92E7-6BAADADFA9E9}" type="datetimeFigureOut">
               <a:rPr lang="en-US" smtClean="0"/>
-              <a:t>8/8/2019</a:t>
+              <a:t>8/9/2019</a:t>
             </a:fld>
             <a:endParaRPr lang="en-US"/>
           </a:p>
@@ -2813,7 +2822,7 @@
           <a:p>
             <a:fld id="{24130079-02C1-4A8B-92E7-6BAADADFA9E9}" type="datetimeFigureOut">
               <a:rPr lang="en-US" smtClean="0"/>
-              <a:t>8/8/2019</a:t>
+              <a:t>8/9/2019</a:t>
             </a:fld>
             <a:endParaRPr lang="en-US"/>
           </a:p>
@@ -2983,7 +2992,7 @@
           <a:p>
             <a:fld id="{24130079-02C1-4A8B-92E7-6BAADADFA9E9}" type="datetimeFigureOut">
               <a:rPr lang="en-US" smtClean="0"/>
-              <a:t>8/8/2019</a:t>
+              <a:t>8/9/2019</a:t>
             </a:fld>
             <a:endParaRPr lang="en-US"/>
           </a:p>
@@ -3230,7 +3239,7 @@
           <a:p>
             <a:fld id="{24130079-02C1-4A8B-92E7-6BAADADFA9E9}" type="datetimeFigureOut">
               <a:rPr lang="en-US" smtClean="0"/>
-              <a:t>8/8/2019</a:t>
+              <a:t>8/9/2019</a:t>
             </a:fld>
             <a:endParaRPr lang="en-US"/>
           </a:p>
@@ -3462,7 +3471,7 @@
           <a:p>
             <a:fld id="{24130079-02C1-4A8B-92E7-6BAADADFA9E9}" type="datetimeFigureOut">
               <a:rPr lang="en-US" smtClean="0"/>
-              <a:t>8/8/2019</a:t>
+              <a:t>8/9/2019</a:t>
             </a:fld>
             <a:endParaRPr lang="en-US"/>
           </a:p>
@@ -3836,7 +3845,7 @@
           <a:p>
             <a:fld id="{24130079-02C1-4A8B-92E7-6BAADADFA9E9}" type="datetimeFigureOut">
               <a:rPr lang="en-US" smtClean="0"/>
-              <a:t>8/8/2019</a:t>
+              <a:t>8/9/2019</a:t>
             </a:fld>
             <a:endParaRPr lang="en-US"/>
           </a:p>
@@ -3959,7 +3968,7 @@
           <a:p>
             <a:fld id="{24130079-02C1-4A8B-92E7-6BAADADFA9E9}" type="datetimeFigureOut">
               <a:rPr lang="en-US" smtClean="0"/>
-              <a:t>8/8/2019</a:t>
+              <a:t>8/9/2019</a:t>
             </a:fld>
             <a:endParaRPr lang="en-US"/>
           </a:p>
@@ -4054,7 +4063,7 @@
           <a:p>
             <a:fld id="{24130079-02C1-4A8B-92E7-6BAADADFA9E9}" type="datetimeFigureOut">
               <a:rPr lang="en-US" smtClean="0"/>
-              <a:t>8/8/2019</a:t>
+              <a:t>8/9/2019</a:t>
             </a:fld>
             <a:endParaRPr lang="en-US"/>
           </a:p>
@@ -4309,7 +4318,7 @@
           <a:p>
             <a:fld id="{24130079-02C1-4A8B-92E7-6BAADADFA9E9}" type="datetimeFigureOut">
               <a:rPr lang="en-US" smtClean="0"/>
-              <a:t>8/8/2019</a:t>
+              <a:t>8/9/2019</a:t>
             </a:fld>
             <a:endParaRPr lang="en-US"/>
           </a:p>
@@ -4614,7 +4623,7 @@
           <a:p>
             <a:fld id="{24130079-02C1-4A8B-92E7-6BAADADFA9E9}" type="datetimeFigureOut">
               <a:rPr lang="en-US" smtClean="0"/>
-              <a:t>8/8/2019</a:t>
+              <a:t>8/9/2019</a:t>
             </a:fld>
             <a:endParaRPr lang="en-US"/>
           </a:p>
@@ -5316,7 +5325,7 @@
           <a:p>
             <a:fld id="{24130079-02C1-4A8B-92E7-6BAADADFA9E9}" type="datetimeFigureOut">
               <a:rPr lang="en-US" smtClean="0"/>
-              <a:t>8/8/2019</a:t>
+              <a:t>8/9/2019</a:t>
             </a:fld>
             <a:endParaRPr lang="en-US"/>
           </a:p>
@@ -5891,7 +5900,531 @@
     </p:spTree>
     <p:extLst>
       <p:ext uri="{BB962C8B-B14F-4D97-AF65-F5344CB8AC3E}">
-        <p14:creationId xmlns:p14="http://schemas.microsoft.com/office/powerpoint/2010/main" val="2165256273"/>
+        <p14:creationId xmlns:p14="http://schemas.microsoft.com/office/powerpoint/2010/main" val="1863059936"/>
+      </p:ext>
+    </p:extLst>
+  </p:cSld>
+  <p:clrMapOvr>
+    <a:masterClrMapping/>
+  </p:clrMapOvr>
+  <p:timing>
+    <p:tnLst>
+      <p:par>
+        <p:cTn id="1" dur="indefinite" restart="never" nodeType="tmRoot"/>
+      </p:par>
+    </p:tnLst>
+  </p:timing>
+</p:sld>
+</file>
+
+<file path=ppt/slides/slide10.xml><?xml version="1.0" encoding="utf-8"?>
+<p:sld xmlns:a="http://schemas.openxmlformats.org/drawingml/2006/main" xmlns:r="http://schemas.openxmlformats.org/officeDocument/2006/relationships" xmlns:p="http://schemas.openxmlformats.org/presentationml/2006/main">
+  <p:cSld>
+    <p:spTree>
+      <p:nvGrpSpPr>
+        <p:cNvPr id="1" name=""/>
+        <p:cNvGrpSpPr/>
+        <p:nvPr/>
+      </p:nvGrpSpPr>
+      <p:grpSpPr>
+        <a:xfrm>
+          <a:off x="0" y="0"/>
+          <a:ext cx="0" cy="0"/>
+          <a:chOff x="0" y="0"/>
+          <a:chExt cx="0" cy="0"/>
+        </a:xfrm>
+      </p:grpSpPr>
+      <p:sp>
+        <p:nvSpPr>
+          <p:cNvPr id="2" name="Title 1"/>
+          <p:cNvSpPr>
+            <a:spLocks noGrp="1"/>
+          </p:cNvSpPr>
+          <p:nvPr>
+            <p:ph type="title"/>
+          </p:nvPr>
+        </p:nvSpPr>
+        <p:spPr/>
+        <p:txBody>
+          <a:bodyPr/>
+          <a:lstStyle/>
+          <a:p>
+            <a:r>
+              <a:rPr lang="en-US" dirty="0" smtClean="0">
+                <a:solidFill>
+                  <a:schemeClr val="accent2"/>
+                </a:solidFill>
+              </a:rPr>
+              <a:t>Internship takeaways</a:t>
+            </a:r>
+            <a:endParaRPr lang="en-US" dirty="0">
+              <a:solidFill>
+                <a:schemeClr val="accent2"/>
+              </a:solidFill>
+            </a:endParaRPr>
+          </a:p>
+        </p:txBody>
+      </p:sp>
+      <p:pic>
+        <p:nvPicPr>
+          <p:cNvPr id="4" name="Content Placeholder 3"/>
+          <p:cNvPicPr>
+            <a:picLocks noGrp="1" noChangeAspect="1"/>
+          </p:cNvPicPr>
+          <p:nvPr>
+            <p:ph idx="1"/>
+          </p:nvPr>
+        </p:nvPicPr>
+        <p:blipFill rotWithShape="1">
+          <a:blip r:embed="rId2">
+            <a:extLst>
+              <a:ext uri="{28A0092B-C50C-407E-A947-70E740481C1C}">
+                <a14:useLocalDpi xmlns:a14="http://schemas.microsoft.com/office/drawing/2010/main" val="0"/>
+              </a:ext>
+            </a:extLst>
+          </a:blip>
+          <a:srcRect b="4221"/>
+          <a:stretch/>
+        </p:blipFill>
+        <p:spPr>
+          <a:xfrm>
+            <a:off x="677334" y="1686113"/>
+            <a:ext cx="3583750" cy="3958784"/>
+          </a:xfrm>
+        </p:spPr>
+      </p:pic>
+      <p:sp>
+        <p:nvSpPr>
+          <p:cNvPr id="5" name="TextBox 4"/>
+          <p:cNvSpPr txBox="1"/>
+          <p:nvPr/>
+        </p:nvSpPr>
+        <p:spPr>
+          <a:xfrm>
+            <a:off x="4975668" y="1497914"/>
+            <a:ext cx="4603558" cy="5632311"/>
+          </a:xfrm>
+          <a:prstGeom prst="rect">
+            <a:avLst/>
+          </a:prstGeom>
+          <a:noFill/>
+        </p:spPr>
+        <p:txBody>
+          <a:bodyPr wrap="square" rtlCol="0">
+            <a:spAutoFit/>
+          </a:bodyPr>
+          <a:lstStyle/>
+          <a:p>
+            <a:endParaRPr lang="en-US" dirty="0">
+              <a:solidFill>
+                <a:schemeClr val="accent2"/>
+              </a:solidFill>
+            </a:endParaRPr>
+          </a:p>
+          <a:p>
+            <a:pPr marL="285750" indent="-285750">
+              <a:buFont typeface="Wingdings" panose="05000000000000000000" pitchFamily="2" charset="2"/>
+              <a:buChar char="Ø"/>
+            </a:pPr>
+            <a:r>
+              <a:rPr lang="en-US" dirty="0" smtClean="0">
+                <a:solidFill>
+                  <a:schemeClr val="accent2"/>
+                </a:solidFill>
+              </a:rPr>
+              <a:t>Treated just like a full-time dev</a:t>
+            </a:r>
+          </a:p>
+          <a:p>
+            <a:pPr marL="285750" indent="-285750">
+              <a:buFont typeface="Wingdings" panose="05000000000000000000" pitchFamily="2" charset="2"/>
+              <a:buChar char="Ø"/>
+            </a:pPr>
+            <a:endParaRPr lang="en-US" dirty="0">
+              <a:solidFill>
+                <a:schemeClr val="accent2"/>
+              </a:solidFill>
+            </a:endParaRPr>
+          </a:p>
+          <a:p>
+            <a:pPr marL="285750" indent="-285750">
+              <a:buFont typeface="Wingdings" panose="05000000000000000000" pitchFamily="2" charset="2"/>
+              <a:buChar char="Ø"/>
+            </a:pPr>
+            <a:r>
+              <a:rPr lang="en-US" dirty="0" smtClean="0">
+                <a:solidFill>
+                  <a:schemeClr val="accent2"/>
+                </a:solidFill>
+              </a:rPr>
+              <a:t>Great mentors</a:t>
+            </a:r>
+          </a:p>
+          <a:p>
+            <a:pPr marL="285750" indent="-285750">
+              <a:buFont typeface="Wingdings" panose="05000000000000000000" pitchFamily="2" charset="2"/>
+              <a:buChar char="Ø"/>
+            </a:pPr>
+            <a:endParaRPr lang="en-US" dirty="0">
+              <a:solidFill>
+                <a:schemeClr val="accent2"/>
+              </a:solidFill>
+            </a:endParaRPr>
+          </a:p>
+          <a:p>
+            <a:pPr marL="285750" indent="-285750">
+              <a:buFont typeface="Wingdings" panose="05000000000000000000" pitchFamily="2" charset="2"/>
+              <a:buChar char="Ø"/>
+            </a:pPr>
+            <a:r>
+              <a:rPr lang="en-US" dirty="0" smtClean="0">
+                <a:solidFill>
+                  <a:schemeClr val="accent2"/>
+                </a:solidFill>
+              </a:rPr>
+              <a:t>Enjoyed frontend more than I thought I would</a:t>
+            </a:r>
+          </a:p>
+          <a:p>
+            <a:pPr marL="285750" indent="-285750">
+              <a:buFont typeface="Wingdings" panose="05000000000000000000" pitchFamily="2" charset="2"/>
+              <a:buChar char="Ø"/>
+            </a:pPr>
+            <a:endParaRPr lang="en-US" dirty="0">
+              <a:solidFill>
+                <a:schemeClr val="accent2"/>
+              </a:solidFill>
+            </a:endParaRPr>
+          </a:p>
+          <a:p>
+            <a:pPr marL="285750" indent="-285750">
+              <a:buFont typeface="Wingdings" panose="05000000000000000000" pitchFamily="2" charset="2"/>
+              <a:buChar char="Ø"/>
+            </a:pPr>
+            <a:r>
+              <a:rPr lang="en-US" dirty="0" smtClean="0">
+                <a:solidFill>
+                  <a:schemeClr val="accent2"/>
+                </a:solidFill>
+              </a:rPr>
+              <a:t>Enjoyed people management experience</a:t>
+            </a:r>
+          </a:p>
+          <a:p>
+            <a:pPr marL="285750" indent="-285750">
+              <a:buFont typeface="Wingdings" panose="05000000000000000000" pitchFamily="2" charset="2"/>
+              <a:buChar char="Ø"/>
+            </a:pPr>
+            <a:endParaRPr lang="en-US" dirty="0">
+              <a:solidFill>
+                <a:schemeClr val="accent2"/>
+              </a:solidFill>
+            </a:endParaRPr>
+          </a:p>
+          <a:p>
+            <a:pPr marL="285750" indent="-285750">
+              <a:buFont typeface="Wingdings" panose="05000000000000000000" pitchFamily="2" charset="2"/>
+              <a:buChar char="Ø"/>
+            </a:pPr>
+            <a:r>
+              <a:rPr lang="en-US" dirty="0" smtClean="0">
+                <a:solidFill>
+                  <a:schemeClr val="accent2"/>
+                </a:solidFill>
+              </a:rPr>
+              <a:t>Something about looking to keep current or stuff</a:t>
+            </a:r>
+            <a:endParaRPr lang="en-US" dirty="0">
+              <a:solidFill>
+                <a:schemeClr val="accent2"/>
+              </a:solidFill>
+            </a:endParaRPr>
+          </a:p>
+          <a:p>
+            <a:endParaRPr lang="en-US" dirty="0">
+              <a:solidFill>
+                <a:schemeClr val="accent2"/>
+              </a:solidFill>
+            </a:endParaRPr>
+          </a:p>
+          <a:p>
+            <a:pPr marL="285750" indent="-285750">
+              <a:buFont typeface="Wingdings" panose="05000000000000000000" pitchFamily="2" charset="2"/>
+              <a:buChar char="Ø"/>
+            </a:pPr>
+            <a:endParaRPr lang="en-US" dirty="0"/>
+          </a:p>
+          <a:p>
+            <a:pPr marL="285750" indent="-285750">
+              <a:buFontTx/>
+              <a:buChar char="-"/>
+            </a:pPr>
+            <a:endParaRPr lang="en-US" dirty="0" smtClean="0"/>
+          </a:p>
+          <a:p>
+            <a:pPr marL="285750" indent="-285750">
+              <a:buFontTx/>
+              <a:buChar char="-"/>
+            </a:pPr>
+            <a:endParaRPr lang="en-US" dirty="0"/>
+          </a:p>
+          <a:p>
+            <a:pPr marL="285750" indent="-285750">
+              <a:buFontTx/>
+              <a:buChar char="-"/>
+            </a:pPr>
+            <a:endParaRPr lang="en-US" dirty="0" smtClean="0"/>
+          </a:p>
+          <a:p>
+            <a:endParaRPr lang="en-US" dirty="0"/>
+          </a:p>
+          <a:p>
+            <a:endParaRPr lang="en-US" dirty="0"/>
+          </a:p>
+        </p:txBody>
+      </p:sp>
+    </p:spTree>
+    <p:extLst>
+      <p:ext uri="{BB962C8B-B14F-4D97-AF65-F5344CB8AC3E}">
+        <p14:creationId xmlns:p14="http://schemas.microsoft.com/office/powerpoint/2010/main" val="3845600354"/>
+      </p:ext>
+    </p:extLst>
+  </p:cSld>
+  <p:clrMapOvr>
+    <a:masterClrMapping/>
+  </p:clrMapOvr>
+  <p:timing>
+    <p:tnLst>
+      <p:par>
+        <p:cTn id="1" dur="indefinite" restart="never" nodeType="tmRoot"/>
+      </p:par>
+    </p:tnLst>
+  </p:timing>
+</p:sld>
+</file>
+
+<file path=ppt/slides/slide11.xml><?xml version="1.0" encoding="utf-8"?>
+<p:sld xmlns:a="http://schemas.openxmlformats.org/drawingml/2006/main" xmlns:r="http://schemas.openxmlformats.org/officeDocument/2006/relationships" xmlns:p="http://schemas.openxmlformats.org/presentationml/2006/main">
+  <p:cSld>
+    <p:spTree>
+      <p:nvGrpSpPr>
+        <p:cNvPr id="1" name=""/>
+        <p:cNvGrpSpPr/>
+        <p:nvPr/>
+      </p:nvGrpSpPr>
+      <p:grpSpPr>
+        <a:xfrm>
+          <a:off x="0" y="0"/>
+          <a:ext cx="0" cy="0"/>
+          <a:chOff x="0" y="0"/>
+          <a:chExt cx="0" cy="0"/>
+        </a:xfrm>
+      </p:grpSpPr>
+      <p:sp>
+        <p:nvSpPr>
+          <p:cNvPr id="2" name="Title 1"/>
+          <p:cNvSpPr>
+            <a:spLocks noGrp="1"/>
+          </p:cNvSpPr>
+          <p:nvPr>
+            <p:ph type="title"/>
+          </p:nvPr>
+        </p:nvSpPr>
+        <p:spPr>
+          <a:xfrm>
+            <a:off x="516250" y="573024"/>
+            <a:ext cx="8596668" cy="1320800"/>
+          </a:xfrm>
+        </p:spPr>
+        <p:txBody>
+          <a:bodyPr/>
+          <a:lstStyle/>
+          <a:p>
+            <a:r>
+              <a:rPr lang="en-US" dirty="0" smtClean="0">
+                <a:solidFill>
+                  <a:schemeClr val="accent2"/>
+                </a:solidFill>
+              </a:rPr>
+              <a:t>Concerns?</a:t>
+            </a:r>
+            <a:endParaRPr lang="en-US" dirty="0">
+              <a:solidFill>
+                <a:schemeClr val="accent2"/>
+              </a:solidFill>
+            </a:endParaRPr>
+          </a:p>
+        </p:txBody>
+      </p:sp>
+      <p:pic>
+        <p:nvPicPr>
+          <p:cNvPr id="4" name="Content Placeholder 3"/>
+          <p:cNvPicPr>
+            <a:picLocks noGrp="1" noChangeAspect="1"/>
+          </p:cNvPicPr>
+          <p:nvPr>
+            <p:ph idx="1"/>
+          </p:nvPr>
+        </p:nvPicPr>
+        <p:blipFill>
+          <a:blip r:embed="rId2">
+            <a:extLst>
+              <a:ext uri="{28A0092B-C50C-407E-A947-70E740481C1C}">
+                <a14:useLocalDpi xmlns:a14="http://schemas.microsoft.com/office/drawing/2010/main" val="0"/>
+              </a:ext>
+            </a:extLst>
+          </a:blip>
+          <a:stretch>
+            <a:fillRect/>
+          </a:stretch>
+        </p:blipFill>
+        <p:spPr>
+          <a:xfrm>
+            <a:off x="516250" y="1705232"/>
+            <a:ext cx="4459418" cy="3340259"/>
+          </a:xfrm>
+        </p:spPr>
+      </p:pic>
+      <p:sp>
+        <p:nvSpPr>
+          <p:cNvPr id="5" name="TextBox 4"/>
+          <p:cNvSpPr txBox="1"/>
+          <p:nvPr/>
+        </p:nvSpPr>
+        <p:spPr>
+          <a:xfrm>
+            <a:off x="5432868" y="1596768"/>
+            <a:ext cx="4603558" cy="3970318"/>
+          </a:xfrm>
+          <a:prstGeom prst="rect">
+            <a:avLst/>
+          </a:prstGeom>
+          <a:noFill/>
+        </p:spPr>
+        <p:txBody>
+          <a:bodyPr wrap="square" rtlCol="0">
+            <a:spAutoFit/>
+          </a:bodyPr>
+          <a:lstStyle/>
+          <a:p>
+            <a:endParaRPr lang="en-US" dirty="0">
+              <a:solidFill>
+                <a:schemeClr val="accent2"/>
+              </a:solidFill>
+            </a:endParaRPr>
+          </a:p>
+          <a:p>
+            <a:pPr marL="285750" indent="-285750">
+              <a:buFont typeface="Wingdings" panose="05000000000000000000" pitchFamily="2" charset="2"/>
+              <a:buChar char="Ø"/>
+            </a:pPr>
+            <a:r>
+              <a:rPr lang="en-US" dirty="0" smtClean="0">
+                <a:solidFill>
+                  <a:schemeClr val="accent2"/>
+                </a:solidFill>
+              </a:rPr>
+              <a:t>SBPBUG/Knowledge sharing</a:t>
+            </a:r>
+          </a:p>
+          <a:p>
+            <a:pPr marL="285750" indent="-285750">
+              <a:buFont typeface="Wingdings" panose="05000000000000000000" pitchFamily="2" charset="2"/>
+              <a:buChar char="Ø"/>
+            </a:pPr>
+            <a:endParaRPr lang="en-US" dirty="0">
+              <a:solidFill>
+                <a:schemeClr val="accent2"/>
+              </a:solidFill>
+            </a:endParaRPr>
+          </a:p>
+          <a:p>
+            <a:pPr marL="285750" indent="-285750">
+              <a:buFont typeface="Wingdings" panose="05000000000000000000" pitchFamily="2" charset="2"/>
+              <a:buChar char="Ø"/>
+            </a:pPr>
+            <a:r>
+              <a:rPr lang="en-US" dirty="0" smtClean="0">
+                <a:solidFill>
+                  <a:schemeClr val="accent2"/>
+                </a:solidFill>
+              </a:rPr>
+              <a:t>Testing as a bottleneck for Agile</a:t>
+            </a:r>
+          </a:p>
+          <a:p>
+            <a:endParaRPr lang="en-US" dirty="0">
+              <a:solidFill>
+                <a:schemeClr val="accent2"/>
+              </a:solidFill>
+            </a:endParaRPr>
+          </a:p>
+          <a:p>
+            <a:pPr marL="285750" indent="-285750">
+              <a:buFont typeface="Wingdings" panose="05000000000000000000" pitchFamily="2" charset="2"/>
+              <a:buChar char="Ø"/>
+            </a:pPr>
+            <a:r>
+              <a:rPr lang="en-US" dirty="0" smtClean="0">
+                <a:solidFill>
+                  <a:schemeClr val="accent2"/>
+                </a:solidFill>
+              </a:rPr>
+              <a:t>Something about looking to keep current or stuff</a:t>
+            </a:r>
+            <a:endParaRPr lang="en-US" dirty="0">
+              <a:solidFill>
+                <a:schemeClr val="accent2"/>
+              </a:solidFill>
+            </a:endParaRPr>
+          </a:p>
+          <a:p>
+            <a:endParaRPr lang="en-US" dirty="0">
+              <a:solidFill>
+                <a:schemeClr val="accent2"/>
+              </a:solidFill>
+            </a:endParaRPr>
+          </a:p>
+          <a:p>
+            <a:pPr marL="285750" indent="-285750">
+              <a:buFont typeface="Wingdings" panose="05000000000000000000" pitchFamily="2" charset="2"/>
+              <a:buChar char="Ø"/>
+            </a:pPr>
+            <a:endParaRPr lang="en-US" dirty="0"/>
+          </a:p>
+          <a:p>
+            <a:pPr marL="285750" indent="-285750">
+              <a:buFontTx/>
+              <a:buChar char="-"/>
+            </a:pPr>
+            <a:endParaRPr lang="en-US" dirty="0" smtClean="0"/>
+          </a:p>
+          <a:p>
+            <a:pPr marL="285750" indent="-285750">
+              <a:buFontTx/>
+              <a:buChar char="-"/>
+            </a:pPr>
+            <a:endParaRPr lang="en-US" dirty="0"/>
+          </a:p>
+          <a:p>
+            <a:pPr marL="285750" indent="-285750">
+              <a:buFontTx/>
+              <a:buChar char="-"/>
+            </a:pPr>
+            <a:endParaRPr lang="en-US" dirty="0" smtClean="0"/>
+          </a:p>
+          <a:p>
+            <a:endParaRPr lang="en-US" dirty="0"/>
+          </a:p>
+          <a:p>
+            <a:endParaRPr lang="en-US" dirty="0"/>
+          </a:p>
+        </p:txBody>
+      </p:sp>
+    </p:spTree>
+    <p:extLst>
+      <p:ext uri="{BB962C8B-B14F-4D97-AF65-F5344CB8AC3E}">
+        <p14:creationId xmlns:p14="http://schemas.microsoft.com/office/powerpoint/2010/main" val="589879558"/>
       </p:ext>
     </p:extLst>
   </p:cSld>
@@ -5935,7 +6468,12 @@
             <p:ph type="title"/>
           </p:nvPr>
         </p:nvSpPr>
-        <p:spPr/>
+        <p:spPr>
+          <a:xfrm>
+            <a:off x="250614" y="390144"/>
+            <a:ext cx="10612458" cy="1320800"/>
+          </a:xfrm>
+        </p:spPr>
         <p:txBody>
           <a:bodyPr/>
           <a:lstStyle/>
@@ -5946,7 +6484,7 @@
                   <a:schemeClr val="accent2"/>
                 </a:solidFill>
               </a:rPr>
-              <a:t>My journey</a:t>
+              <a:t>So Long and Thanks for All the Phishing Emails! </a:t>
             </a:r>
             <a:endParaRPr lang="en-US" dirty="0">
               <a:solidFill>
@@ -5956,121 +6494,39 @@
           </a:p>
         </p:txBody>
       </p:sp>
-      <p:sp>
-        <p:nvSpPr>
-          <p:cNvPr id="8" name="TextBox 7"/>
-          <p:cNvSpPr txBox="1"/>
-          <p:nvPr/>
-        </p:nvSpPr>
+      <p:pic>
+        <p:nvPicPr>
+          <p:cNvPr id="4" name="Content Placeholder 3"/>
+          <p:cNvPicPr>
+            <a:picLocks noGrp="1" noChangeAspect="1"/>
+          </p:cNvPicPr>
+          <p:nvPr>
+            <p:ph idx="1"/>
+          </p:nvPr>
+        </p:nvPicPr>
+        <p:blipFill>
+          <a:blip r:embed="rId2">
+            <a:extLst>
+              <a:ext uri="{28A0092B-C50C-407E-A947-70E740481C1C}">
+                <a14:useLocalDpi xmlns:a14="http://schemas.microsoft.com/office/drawing/2010/main" val="0"/>
+              </a:ext>
+            </a:extLst>
+          </a:blip>
+          <a:stretch>
+            <a:fillRect/>
+          </a:stretch>
+        </p:blipFill>
         <p:spPr>
           <a:xfrm>
-            <a:off x="5468697" y="1634836"/>
-            <a:ext cx="4603558" cy="3416320"/>
+            <a:off x="1609344" y="1245616"/>
+            <a:ext cx="6930473" cy="5191086"/>
           </a:xfrm>
-          <a:prstGeom prst="rect">
-            <a:avLst/>
-          </a:prstGeom>
-          <a:noFill/>
         </p:spPr>
-        <p:txBody>
-          <a:bodyPr wrap="square" rtlCol="0">
-            <a:spAutoFit/>
-          </a:bodyPr>
-          <a:lstStyle/>
-          <a:p>
-            <a:endParaRPr lang="en-US" dirty="0"/>
-          </a:p>
-          <a:p>
-            <a:pPr marL="285750" indent="-285750">
-              <a:buFontTx/>
-              <a:buChar char="-"/>
-            </a:pPr>
-            <a:r>
-              <a:rPr lang="en-US" dirty="0" smtClean="0"/>
-              <a:t>Migrated test suites for 13 core services to </a:t>
-            </a:r>
-            <a:r>
-              <a:rPr lang="en-US" dirty="0" err="1" smtClean="0"/>
-              <a:t>TestNG</a:t>
-            </a:r>
-            <a:endParaRPr lang="en-US" dirty="0" smtClean="0"/>
-          </a:p>
-          <a:p>
-            <a:pPr marL="285750" indent="-285750">
-              <a:buFontTx/>
-              <a:buChar char="-"/>
-            </a:pPr>
-            <a:endParaRPr lang="en-US" dirty="0"/>
-          </a:p>
-          <a:p>
-            <a:pPr marL="285750" indent="-285750">
-              <a:buFontTx/>
-              <a:buChar char="-"/>
-            </a:pPr>
-            <a:r>
-              <a:rPr lang="en-US" dirty="0" smtClean="0"/>
-              <a:t>Gained some technical knowledge, learned best practices</a:t>
-            </a:r>
-          </a:p>
-          <a:p>
-            <a:pPr marL="285750" indent="-285750">
-              <a:buFontTx/>
-              <a:buChar char="-"/>
-            </a:pPr>
-            <a:endParaRPr lang="en-US" dirty="0"/>
-          </a:p>
-          <a:p>
-            <a:pPr marL="285750" indent="-285750">
-              <a:buFontTx/>
-              <a:buChar char="-"/>
-            </a:pPr>
-            <a:endParaRPr lang="en-US" dirty="0" smtClean="0"/>
-          </a:p>
-          <a:p>
-            <a:pPr marL="285750" indent="-285750">
-              <a:buFontTx/>
-              <a:buChar char="-"/>
-            </a:pPr>
-            <a:endParaRPr lang="en-US" dirty="0"/>
-          </a:p>
-          <a:p>
-            <a:pPr marL="285750" indent="-285750">
-              <a:buFontTx/>
-              <a:buChar char="-"/>
-            </a:pPr>
-            <a:endParaRPr lang="en-US" dirty="0" smtClean="0"/>
-          </a:p>
-          <a:p>
-            <a:endParaRPr lang="en-US" dirty="0"/>
-          </a:p>
-          <a:p>
-            <a:endParaRPr lang="en-US" dirty="0"/>
-          </a:p>
-        </p:txBody>
-      </p:sp>
-      <p:sp>
-        <p:nvSpPr>
-          <p:cNvPr id="3" name="Content Placeholder 2"/>
-          <p:cNvSpPr>
-            <a:spLocks noGrp="1"/>
-          </p:cNvSpPr>
-          <p:nvPr>
-            <p:ph idx="1"/>
-          </p:nvPr>
-        </p:nvSpPr>
-        <p:spPr/>
-        <p:txBody>
-          <a:bodyPr/>
-          <a:lstStyle/>
-          <a:p>
-            <a:endParaRPr lang="en-US"/>
-          </a:p>
-        </p:txBody>
-      </p:sp>
+      </p:pic>
     </p:spTree>
     <p:extLst>
       <p:ext uri="{BB962C8B-B14F-4D97-AF65-F5344CB8AC3E}">
-        <p14:creationId xmlns:p14="http://schemas.microsoft.com/office/powerpoint/2010/main" val="3001156203"/>
+        <p14:creationId xmlns:p14="http://schemas.microsoft.com/office/powerpoint/2010/main" val="2165256273"/>
       </p:ext>
     </p:extLst>
   </p:cSld>
@@ -6114,7 +6570,12 @@
             <p:ph type="title"/>
           </p:nvPr>
         </p:nvSpPr>
-        <p:spPr/>
+        <p:spPr>
+          <a:xfrm>
+            <a:off x="382903" y="561165"/>
+            <a:ext cx="8596668" cy="1320800"/>
+          </a:xfrm>
+        </p:spPr>
         <p:txBody>
           <a:bodyPr/>
           <a:lstStyle/>
@@ -6125,15 +6586,7 @@
                   <a:schemeClr val="accent2"/>
                 </a:solidFill>
               </a:rPr>
-              <a:t>Getting rid of </a:t>
-            </a:r>
-            <a:r>
-              <a:rPr lang="en-US" dirty="0" err="1" smtClean="0">
-                <a:solidFill>
-                  <a:schemeClr val="accent2"/>
-                </a:solidFill>
-              </a:rPr>
-              <a:t>FitNesse</a:t>
+              <a:t>Looking back on my internship</a:t>
             </a:r>
             <a:endParaRPr lang="en-US" dirty="0">
               <a:solidFill>
@@ -6145,7 +6598,7 @@
       </p:sp>
       <p:pic>
         <p:nvPicPr>
-          <p:cNvPr id="7" name="Content Placeholder 6"/>
+          <p:cNvPr id="4" name="Content Placeholder 3"/>
           <p:cNvPicPr>
             <a:picLocks noGrp="1" noChangeAspect="1"/>
           </p:cNvPicPr>
@@ -6153,7 +6606,7 @@
             <p:ph idx="1"/>
           </p:nvPr>
         </p:nvPicPr>
-        <p:blipFill>
+        <p:blipFill rotWithShape="1">
           <a:blip r:embed="rId2">
             <a:extLst>
               <a:ext uri="{28A0092B-C50C-407E-A947-70E740481C1C}">
@@ -6161,27 +6614,26 @@
               </a:ext>
             </a:extLst>
           </a:blip>
-          <a:stretch>
-            <a:fillRect/>
-          </a:stretch>
+          <a:srcRect l="5122" r="4982"/>
+          <a:stretch/>
         </p:blipFill>
         <p:spPr>
           <a:xfrm>
-            <a:off x="677334" y="1778001"/>
-            <a:ext cx="4538133" cy="3403600"/>
+            <a:off x="646176" y="1597152"/>
+            <a:ext cx="4620768" cy="4242815"/>
           </a:xfrm>
         </p:spPr>
       </p:pic>
       <p:sp>
         <p:nvSpPr>
-          <p:cNvPr id="8" name="TextBox 7"/>
+          <p:cNvPr id="6" name="TextBox 5"/>
           <p:cNvSpPr txBox="1"/>
           <p:nvPr/>
         </p:nvSpPr>
         <p:spPr>
           <a:xfrm>
-            <a:off x="5468697" y="1634836"/>
-            <a:ext cx="4603558" cy="5078313"/>
+            <a:off x="5829229" y="1881965"/>
+            <a:ext cx="4603558" cy="3416320"/>
           </a:xfrm>
           <a:prstGeom prst="rect">
             <a:avLst/>
@@ -6206,20 +6658,20 @@
               <a:buChar char="Ø"/>
             </a:pPr>
             <a:r>
+              <a:rPr lang="en-US" dirty="0" err="1" smtClean="0">
+                <a:solidFill>
+                  <a:schemeClr val="accent2"/>
+                </a:solidFill>
+              </a:rPr>
+              <a:t>FitNesse</a:t>
+            </a:r>
+            <a:r>
               <a:rPr lang="en-US" dirty="0" smtClean="0">
                 <a:solidFill>
                   <a:schemeClr val="accent2"/>
                 </a:solidFill>
               </a:rPr>
-              <a:t>Migrated test suites for 13 core services to </a:t>
-            </a:r>
-            <a:r>
-              <a:rPr lang="en-US" dirty="0" err="1" smtClean="0">
-                <a:solidFill>
-                  <a:schemeClr val="accent2"/>
-                </a:solidFill>
-              </a:rPr>
-              <a:t>TestNG</a:t>
+              <a:t> migration</a:t>
             </a:r>
             <a:endParaRPr lang="en-US" dirty="0" smtClean="0">
               <a:solidFill>
@@ -6249,8 +6701,13 @@
                   <a:schemeClr val="accent2"/>
                 </a:solidFill>
               </a:rPr>
-              <a:t>Added test utility to copy AR data from dev/prod</a:t>
-            </a:r>
+              <a:t>ED squad</a:t>
+            </a:r>
+            <a:endParaRPr lang="en-US" dirty="0" smtClean="0">
+              <a:solidFill>
+                <a:schemeClr val="accent2"/>
+              </a:solidFill>
+            </a:endParaRPr>
           </a:p>
           <a:p>
             <a:pPr marL="285750" indent="-285750">
@@ -6274,55 +6731,15 @@
                   <a:schemeClr val="accent2"/>
                 </a:solidFill>
               </a:rPr>
-              <a:t>Removes dependency on Java 6</a:t>
-            </a:r>
-          </a:p>
-          <a:p>
-            <a:pPr marL="285750" indent="-285750">
-              <a:buFont typeface="Wingdings" panose="05000000000000000000" pitchFamily="2" charset="2"/>
-              <a:buChar char="Ø"/>
-            </a:pPr>
-            <a:endParaRPr lang="en-US" dirty="0">
+              <a:t>Overall impressions</a:t>
+            </a:r>
+            <a:endParaRPr lang="en-US" dirty="0" smtClean="0">
               <a:solidFill>
                 <a:schemeClr val="accent2"/>
               </a:solidFill>
             </a:endParaRPr>
           </a:p>
           <a:p>
-            <a:pPr marL="285750" indent="-285750">
-              <a:buFont typeface="Wingdings" panose="05000000000000000000" pitchFamily="2" charset="2"/>
-              <a:buChar char="Ø"/>
-            </a:pPr>
-            <a:r>
-              <a:rPr lang="en-US" dirty="0" smtClean="0">
-                <a:solidFill>
-                  <a:schemeClr val="accent2"/>
-                </a:solidFill>
-              </a:rPr>
-              <a:t>Tests can run alongside the code, no longer need to dig through </a:t>
-            </a:r>
-            <a:r>
-              <a:rPr lang="en-US" dirty="0" err="1" smtClean="0">
-                <a:solidFill>
-                  <a:schemeClr val="accent2"/>
-                </a:solidFill>
-              </a:rPr>
-              <a:t>Fitnesse</a:t>
-            </a:r>
-            <a:r>
-              <a:rPr lang="en-US" dirty="0" smtClean="0">
-                <a:solidFill>
-                  <a:schemeClr val="accent2"/>
-                </a:solidFill>
-              </a:rPr>
-              <a:t> fixtures to debug</a:t>
-            </a:r>
-          </a:p>
-          <a:p>
-            <a:pPr marL="285750" indent="-285750">
-              <a:buFontTx/>
-              <a:buChar char="-"/>
-            </a:pPr>
             <a:endParaRPr lang="en-US" dirty="0"/>
           </a:p>
           <a:p>
@@ -6357,7 +6774,7 @@
     </p:spTree>
     <p:extLst>
       <p:ext uri="{BB962C8B-B14F-4D97-AF65-F5344CB8AC3E}">
-        <p14:creationId xmlns:p14="http://schemas.microsoft.com/office/powerpoint/2010/main" val="221086902"/>
+        <p14:creationId xmlns:p14="http://schemas.microsoft.com/office/powerpoint/2010/main" val="3001156203"/>
       </p:ext>
     </p:extLst>
   </p:cSld>
@@ -6401,7 +6818,12 @@
             <p:ph type="title"/>
           </p:nvPr>
         </p:nvSpPr>
-        <p:spPr/>
+        <p:spPr>
+          <a:xfrm>
+            <a:off x="677334" y="633984"/>
+            <a:ext cx="8596668" cy="1320800"/>
+          </a:xfrm>
+        </p:spPr>
         <p:txBody>
           <a:bodyPr/>
           <a:lstStyle/>
@@ -6454,8 +6876,8 @@
         </p:blipFill>
         <p:spPr>
           <a:xfrm>
-            <a:off x="677334" y="1988934"/>
-            <a:ext cx="4538133" cy="2981733"/>
+            <a:off x="677334" y="1778001"/>
+            <a:ext cx="4538133" cy="3403600"/>
           </a:xfrm>
         </p:spPr>
       </p:pic>
@@ -6468,7 +6890,7 @@
         <p:spPr>
           <a:xfrm>
             <a:off x="5468697" y="1634836"/>
-            <a:ext cx="4603558" cy="3693319"/>
+            <a:ext cx="4603558" cy="5078313"/>
           </a:xfrm>
           <a:prstGeom prst="rect">
             <a:avLst/>
@@ -6481,27 +6903,6 @@
           </a:bodyPr>
           <a:lstStyle/>
           <a:p>
-            <a:endParaRPr lang="en-US" dirty="0"/>
-          </a:p>
-          <a:p>
-            <a:pPr marL="285750" indent="-285750">
-              <a:buFont typeface="Wingdings" panose="05000000000000000000" pitchFamily="2" charset="2"/>
-              <a:buChar char="Ø"/>
-            </a:pPr>
-            <a:r>
-              <a:rPr lang="en-US" dirty="0" smtClean="0">
-                <a:solidFill>
-                  <a:schemeClr val="accent2"/>
-                </a:solidFill>
-              </a:rPr>
-              <a:t>Experience with tooling</a:t>
-            </a:r>
-          </a:p>
-          <a:p>
-            <a:pPr marL="285750" indent="-285750">
-              <a:buFont typeface="Wingdings" panose="05000000000000000000" pitchFamily="2" charset="2"/>
-              <a:buChar char="Ø"/>
-            </a:pPr>
             <a:endParaRPr lang="en-US" dirty="0">
               <a:solidFill>
                 <a:schemeClr val="accent2"/>
@@ -6519,14 +6920,16 @@
                   <a:schemeClr val="accent2"/>
                 </a:solidFill>
               </a:rPr>
-              <a:t>Debugging and reading logs</a:t>
-            </a:r>
-          </a:p>
-          <a:p>
-            <a:pPr marL="285750" indent="-285750">
-              <a:buFont typeface="Wingdings" panose="05000000000000000000" pitchFamily="2" charset="2"/>
-              <a:buChar char="Ø"/>
-            </a:pPr>
+              <a:t>Migrated test suites for 13 core services to </a:t>
+            </a:r>
+            <a:r>
+              <a:rPr lang="en-US" dirty="0" err="1" smtClean="0">
+                <a:solidFill>
+                  <a:schemeClr val="accent2"/>
+                </a:solidFill>
+              </a:rPr>
+              <a:t>TestNG</a:t>
+            </a:r>
             <a:endParaRPr lang="en-US" dirty="0" smtClean="0">
               <a:solidFill>
                 <a:schemeClr val="accent2"/>
@@ -6538,21 +6941,112 @@
               <a:buFont typeface="Wingdings" panose="05000000000000000000" pitchFamily="2" charset="2"/>
               <a:buChar char="Ø"/>
             </a:pPr>
+            <a:endParaRPr lang="en-US" dirty="0">
+              <a:solidFill>
+                <a:schemeClr val="accent2"/>
+              </a:solidFill>
+            </a:endParaRPr>
+          </a:p>
+          <a:p>
+            <a:pPr marL="285750" indent="-285750">
+              <a:buFont typeface="Wingdings" panose="05000000000000000000" pitchFamily="2" charset="2"/>
+              <a:buChar char="Ø"/>
+            </a:pPr>
             <a:r>
               <a:rPr lang="en-US" dirty="0" smtClean="0">
                 <a:solidFill>
                   <a:schemeClr val="accent2"/>
                 </a:solidFill>
               </a:rPr>
-              <a:t>Best practices in Java</a:t>
-            </a:r>
-          </a:p>
-          <a:p>
-            <a:pPr marL="285750" indent="-285750">
-              <a:buFontTx/>
-              <a:buChar char="-"/>
-            </a:pPr>
-            <a:endParaRPr lang="en-US" dirty="0" smtClean="0"/>
+              <a:t>Added test utility to copy AR data from dev/prod</a:t>
+            </a:r>
+          </a:p>
+          <a:p>
+            <a:pPr marL="285750" indent="-285750">
+              <a:buFont typeface="Wingdings" panose="05000000000000000000" pitchFamily="2" charset="2"/>
+              <a:buChar char="Ø"/>
+            </a:pPr>
+            <a:endParaRPr lang="en-US" dirty="0">
+              <a:solidFill>
+                <a:schemeClr val="accent2"/>
+              </a:solidFill>
+            </a:endParaRPr>
+          </a:p>
+          <a:p>
+            <a:pPr marL="285750" indent="-285750">
+              <a:buFont typeface="Wingdings" panose="05000000000000000000" pitchFamily="2" charset="2"/>
+              <a:buChar char="Ø"/>
+            </a:pPr>
+            <a:r>
+              <a:rPr lang="en-US" dirty="0" smtClean="0">
+                <a:solidFill>
+                  <a:schemeClr val="accent2"/>
+                </a:solidFill>
+              </a:rPr>
+              <a:t>Removes dependency on Java 6</a:t>
+            </a:r>
+          </a:p>
+          <a:p>
+            <a:pPr marL="285750" indent="-285750">
+              <a:buFont typeface="Wingdings" panose="05000000000000000000" pitchFamily="2" charset="2"/>
+              <a:buChar char="Ø"/>
+            </a:pPr>
+            <a:endParaRPr lang="en-US" dirty="0">
+              <a:solidFill>
+                <a:schemeClr val="accent2"/>
+              </a:solidFill>
+            </a:endParaRPr>
+          </a:p>
+          <a:p>
+            <a:pPr marL="285750" indent="-285750">
+              <a:buFont typeface="Wingdings" panose="05000000000000000000" pitchFamily="2" charset="2"/>
+              <a:buChar char="Ø"/>
+            </a:pPr>
+            <a:r>
+              <a:rPr lang="en-US" dirty="0" smtClean="0">
+                <a:solidFill>
+                  <a:schemeClr val="accent2"/>
+                </a:solidFill>
+              </a:rPr>
+              <a:t>Tests can run alongside the code, no longer need to dig through </a:t>
+            </a:r>
+            <a:r>
+              <a:rPr lang="en-US" dirty="0" err="1" smtClean="0">
+                <a:solidFill>
+                  <a:schemeClr val="accent2"/>
+                </a:solidFill>
+              </a:rPr>
+              <a:t>FitNesse</a:t>
+            </a:r>
+            <a:r>
+              <a:rPr lang="en-US" dirty="0" smtClean="0">
+                <a:solidFill>
+                  <a:schemeClr val="accent2"/>
+                </a:solidFill>
+              </a:rPr>
+              <a:t> </a:t>
+            </a:r>
+            <a:r>
+              <a:rPr lang="en-US" dirty="0" smtClean="0">
+                <a:solidFill>
+                  <a:schemeClr val="accent2"/>
+                </a:solidFill>
+              </a:rPr>
+              <a:t>fixtures to </a:t>
+            </a:r>
+            <a:r>
+              <a:rPr lang="en-US" dirty="0" smtClean="0">
+                <a:solidFill>
+                  <a:schemeClr val="accent2"/>
+                </a:solidFill>
+              </a:rPr>
+              <a:t>debug</a:t>
+            </a:r>
+            <a:endParaRPr lang="en-US" dirty="0" smtClean="0">
+              <a:solidFill>
+                <a:schemeClr val="accent2"/>
+              </a:solidFill>
+            </a:endParaRPr>
           </a:p>
           <a:p>
             <a:pPr marL="285750" indent="-285750">
@@ -6593,7 +7087,7 @@
     </p:spTree>
     <p:extLst>
       <p:ext uri="{BB962C8B-B14F-4D97-AF65-F5344CB8AC3E}">
-        <p14:creationId xmlns:p14="http://schemas.microsoft.com/office/powerpoint/2010/main" val="2699963040"/>
+        <p14:creationId xmlns:p14="http://schemas.microsoft.com/office/powerpoint/2010/main" val="221086902"/>
       </p:ext>
     </p:extLst>
   </p:cSld>
@@ -6648,7 +7142,15 @@
                   <a:schemeClr val="accent2"/>
                 </a:solidFill>
               </a:rPr>
-              <a:t>ED squad</a:t>
+              <a:t>Getting rid of </a:t>
+            </a:r>
+            <a:r>
+              <a:rPr lang="en-US" dirty="0" err="1" smtClean="0">
+                <a:solidFill>
+                  <a:schemeClr val="accent2"/>
+                </a:solidFill>
+              </a:rPr>
+              <a:t>FitNesse</a:t>
             </a:r>
             <a:endParaRPr lang="en-US" dirty="0">
               <a:solidFill>
@@ -6658,29 +7160,253 @@
           </a:p>
         </p:txBody>
       </p:sp>
-      <p:sp>
-        <p:nvSpPr>
-          <p:cNvPr id="3" name="Content Placeholder 2"/>
-          <p:cNvSpPr>
-            <a:spLocks noGrp="1"/>
-          </p:cNvSpPr>
+      <p:pic>
+        <p:nvPicPr>
+          <p:cNvPr id="7" name="Content Placeholder 6"/>
+          <p:cNvPicPr>
+            <a:picLocks noGrp="1" noChangeAspect="1"/>
+          </p:cNvPicPr>
           <p:nvPr>
             <p:ph idx="1"/>
           </p:nvPr>
-        </p:nvSpPr>
-        <p:spPr/>
-        <p:txBody>
-          <a:bodyPr/>
+        </p:nvPicPr>
+        <p:blipFill>
+          <a:blip r:embed="rId2">
+            <a:extLst>
+              <a:ext uri="{28A0092B-C50C-407E-A947-70E740481C1C}">
+                <a14:useLocalDpi xmlns:a14="http://schemas.microsoft.com/office/drawing/2010/main" val="0"/>
+              </a:ext>
+            </a:extLst>
+          </a:blip>
+          <a:stretch>
+            <a:fillRect/>
+          </a:stretch>
+        </p:blipFill>
+        <p:spPr>
+          <a:xfrm>
+            <a:off x="677334" y="1988934"/>
+            <a:ext cx="4538133" cy="2981733"/>
+          </a:xfrm>
+        </p:spPr>
+      </p:pic>
+      <p:sp>
+        <p:nvSpPr>
+          <p:cNvPr id="8" name="TextBox 7"/>
+          <p:cNvSpPr txBox="1"/>
+          <p:nvPr/>
+        </p:nvSpPr>
+        <p:spPr>
+          <a:xfrm>
+            <a:off x="5468697" y="1634836"/>
+            <a:ext cx="4603558" cy="4801314"/>
+          </a:xfrm>
+          <a:prstGeom prst="rect">
+            <a:avLst/>
+          </a:prstGeom>
+          <a:noFill/>
+        </p:spPr>
+        <p:txBody>
+          <a:bodyPr wrap="square" rtlCol="0">
+            <a:spAutoFit/>
+          </a:bodyPr>
           <a:lstStyle/>
           <a:p>
-            <a:endParaRPr lang="en-US"/>
+            <a:endParaRPr lang="en-US" dirty="0"/>
+          </a:p>
+          <a:p>
+            <a:pPr marL="285750" indent="-285750">
+              <a:buFont typeface="Wingdings" panose="05000000000000000000" pitchFamily="2" charset="2"/>
+              <a:buChar char="Ø"/>
+            </a:pPr>
+            <a:r>
+              <a:rPr lang="en-US" dirty="0" smtClean="0">
+                <a:solidFill>
+                  <a:schemeClr val="accent2"/>
+                </a:solidFill>
+              </a:rPr>
+              <a:t>Experience with </a:t>
+            </a:r>
+            <a:r>
+              <a:rPr lang="en-US" dirty="0" smtClean="0">
+                <a:solidFill>
+                  <a:schemeClr val="accent2"/>
+                </a:solidFill>
+              </a:rPr>
+              <a:t>tooling</a:t>
+            </a:r>
+          </a:p>
+          <a:p>
+            <a:pPr marL="742950" lvl="1" indent="-285750">
+              <a:buFont typeface="Wingdings" panose="05000000000000000000" pitchFamily="2" charset="2"/>
+              <a:buChar char="Ø"/>
+            </a:pPr>
+            <a:r>
+              <a:rPr lang="en-US" dirty="0" smtClean="0">
+                <a:solidFill>
+                  <a:schemeClr val="accent2"/>
+                </a:solidFill>
+              </a:rPr>
+              <a:t>Bamboo plan</a:t>
+            </a:r>
+          </a:p>
+          <a:p>
+            <a:pPr marL="742950" lvl="1" indent="-285750">
+              <a:buFont typeface="Wingdings" panose="05000000000000000000" pitchFamily="2" charset="2"/>
+              <a:buChar char="Ø"/>
+            </a:pPr>
+            <a:r>
+              <a:rPr lang="en-US" dirty="0" smtClean="0">
+                <a:solidFill>
+                  <a:schemeClr val="accent2"/>
+                </a:solidFill>
+              </a:rPr>
+              <a:t>Maven</a:t>
+            </a:r>
+            <a:endParaRPr lang="en-US" dirty="0" smtClean="0">
+              <a:solidFill>
+                <a:schemeClr val="accent2"/>
+              </a:solidFill>
+            </a:endParaRPr>
+          </a:p>
+          <a:p>
+            <a:pPr marL="285750" indent="-285750">
+              <a:buFont typeface="Wingdings" panose="05000000000000000000" pitchFamily="2" charset="2"/>
+              <a:buChar char="Ø"/>
+            </a:pPr>
+            <a:endParaRPr lang="en-US" dirty="0">
+              <a:solidFill>
+                <a:schemeClr val="accent2"/>
+              </a:solidFill>
+            </a:endParaRPr>
+          </a:p>
+          <a:p>
+            <a:pPr marL="285750" indent="-285750">
+              <a:buFont typeface="Wingdings" panose="05000000000000000000" pitchFamily="2" charset="2"/>
+              <a:buChar char="Ø"/>
+            </a:pPr>
+            <a:r>
+              <a:rPr lang="en-US" dirty="0" smtClean="0">
+                <a:solidFill>
+                  <a:schemeClr val="accent2"/>
+                </a:solidFill>
+              </a:rPr>
+              <a:t>Debugging and reading logs</a:t>
+            </a:r>
+          </a:p>
+          <a:p>
+            <a:endParaRPr lang="en-US" dirty="0" smtClean="0">
+              <a:solidFill>
+                <a:schemeClr val="accent2"/>
+              </a:solidFill>
+            </a:endParaRPr>
+          </a:p>
+          <a:p>
+            <a:pPr marL="285750" indent="-285750">
+              <a:buFont typeface="Wingdings" panose="05000000000000000000" pitchFamily="2" charset="2"/>
+              <a:buChar char="Ø"/>
+            </a:pPr>
+            <a:r>
+              <a:rPr lang="en-US" dirty="0" smtClean="0">
+                <a:solidFill>
+                  <a:schemeClr val="accent2"/>
+                </a:solidFill>
+              </a:rPr>
+              <a:t>Best practices in </a:t>
+            </a:r>
+            <a:r>
+              <a:rPr lang="en-US" dirty="0" smtClean="0">
+                <a:solidFill>
+                  <a:schemeClr val="accent2"/>
+                </a:solidFill>
+              </a:rPr>
+              <a:t>Java</a:t>
+            </a:r>
+          </a:p>
+          <a:p>
+            <a:pPr marL="285750" indent="-285750">
+              <a:buFont typeface="Wingdings" panose="05000000000000000000" pitchFamily="2" charset="2"/>
+              <a:buChar char="Ø"/>
+            </a:pPr>
+            <a:endParaRPr lang="en-US" dirty="0">
+              <a:solidFill>
+                <a:schemeClr val="accent2"/>
+              </a:solidFill>
+            </a:endParaRPr>
+          </a:p>
+          <a:p>
+            <a:pPr marL="285750" indent="-285750">
+              <a:buFont typeface="Wingdings" panose="05000000000000000000" pitchFamily="2" charset="2"/>
+              <a:buChar char="Ø"/>
+            </a:pPr>
+            <a:r>
+              <a:rPr lang="en-US" dirty="0" smtClean="0">
+                <a:solidFill>
+                  <a:schemeClr val="accent2"/>
+                </a:solidFill>
+              </a:rPr>
+              <a:t>Issues with dat</a:t>
+            </a:r>
+            <a:r>
+              <a:rPr lang="en-US" dirty="0" smtClean="0">
+                <a:solidFill>
+                  <a:schemeClr val="accent2"/>
+                </a:solidFill>
+              </a:rPr>
+              <a:t>a-driven tests</a:t>
+            </a:r>
+            <a:endParaRPr lang="en-US" dirty="0" smtClean="0">
+              <a:solidFill>
+                <a:schemeClr val="accent2"/>
+              </a:solidFill>
+            </a:endParaRPr>
+          </a:p>
+          <a:p>
+            <a:pPr marL="285750" indent="-285750">
+              <a:buFontTx/>
+              <a:buChar char="-"/>
+            </a:pPr>
+            <a:endParaRPr lang="en-US" dirty="0" smtClean="0"/>
+          </a:p>
+          <a:p>
+            <a:pPr marL="285750" indent="-285750">
+              <a:buFontTx/>
+              <a:buChar char="-"/>
+            </a:pPr>
+            <a:endParaRPr lang="en-US" dirty="0"/>
+          </a:p>
+          <a:p>
+            <a:pPr marL="285750" indent="-285750">
+              <a:buFontTx/>
+              <a:buChar char="-"/>
+            </a:pPr>
+            <a:endParaRPr lang="en-US" dirty="0" smtClean="0"/>
+          </a:p>
+          <a:p>
+            <a:pPr marL="285750" indent="-285750">
+              <a:buFontTx/>
+              <a:buChar char="-"/>
+            </a:pPr>
+            <a:endParaRPr lang="en-US" dirty="0"/>
+          </a:p>
+          <a:p>
+            <a:pPr marL="285750" indent="-285750">
+              <a:buFontTx/>
+              <a:buChar char="-"/>
+            </a:pPr>
+            <a:endParaRPr lang="en-US" dirty="0" smtClean="0"/>
+          </a:p>
+          <a:p>
+            <a:endParaRPr lang="en-US" dirty="0"/>
+          </a:p>
+          <a:p>
+            <a:endParaRPr lang="en-US" dirty="0"/>
           </a:p>
         </p:txBody>
       </p:sp>
     </p:spTree>
     <p:extLst>
       <p:ext uri="{BB962C8B-B14F-4D97-AF65-F5344CB8AC3E}">
-        <p14:creationId xmlns:p14="http://schemas.microsoft.com/office/powerpoint/2010/main" val="333997268"/>
+        <p14:creationId xmlns:p14="http://schemas.microsoft.com/office/powerpoint/2010/main" val="2699963040"/>
       </p:ext>
     </p:extLst>
   </p:cSld>
@@ -6735,7 +7461,7 @@
                   <a:schemeClr val="accent2"/>
                 </a:solidFill>
               </a:rPr>
-              <a:t>UI Test Boulder</a:t>
+              <a:t>ED Squad</a:t>
             </a:r>
             <a:endParaRPr lang="en-US" dirty="0">
               <a:solidFill>
@@ -6747,7 +7473,7 @@
       </p:sp>
       <p:pic>
         <p:nvPicPr>
-          <p:cNvPr id="4" name="Content Placeholder 3"/>
+          <p:cNvPr id="7" name="Content Placeholder 6"/>
           <p:cNvPicPr>
             <a:picLocks noGrp="1" noChangeAspect="1"/>
           </p:cNvPicPr>
@@ -6769,15 +7495,229 @@
         </p:blipFill>
         <p:spPr>
           <a:xfrm>
-            <a:off x="677334" y="1703388"/>
-            <a:ext cx="3881437" cy="3881437"/>
+            <a:off x="677334" y="1512094"/>
+            <a:ext cx="4582982" cy="3974306"/>
           </a:xfrm>
         </p:spPr>
       </p:pic>
+      <p:sp>
+        <p:nvSpPr>
+          <p:cNvPr id="8" name="TextBox 7"/>
+          <p:cNvSpPr txBox="1"/>
+          <p:nvPr/>
+        </p:nvSpPr>
+        <p:spPr>
+          <a:xfrm>
+            <a:off x="5555194" y="1512094"/>
+            <a:ext cx="4603558" cy="5909310"/>
+          </a:xfrm>
+          <a:prstGeom prst="rect">
+            <a:avLst/>
+          </a:prstGeom>
+          <a:noFill/>
+        </p:spPr>
+        <p:txBody>
+          <a:bodyPr wrap="square" rtlCol="0">
+            <a:spAutoFit/>
+          </a:bodyPr>
+          <a:lstStyle/>
+          <a:p>
+            <a:endParaRPr lang="en-US" dirty="0"/>
+          </a:p>
+          <a:p>
+            <a:pPr marL="285750" indent="-285750">
+              <a:buFont typeface="Wingdings" panose="05000000000000000000" pitchFamily="2" charset="2"/>
+              <a:buChar char="Ø"/>
+            </a:pPr>
+            <a:r>
+              <a:rPr lang="en-US" dirty="0" smtClean="0">
+                <a:solidFill>
+                  <a:schemeClr val="accent2"/>
+                </a:solidFill>
+              </a:rPr>
+              <a:t>Agile pilot</a:t>
+            </a:r>
+          </a:p>
+          <a:p>
+            <a:pPr marL="742950" lvl="1" indent="-285750">
+              <a:buFont typeface="Wingdings" panose="05000000000000000000" pitchFamily="2" charset="2"/>
+              <a:buChar char="Ø"/>
+            </a:pPr>
+            <a:r>
+              <a:rPr lang="en-US" dirty="0" smtClean="0">
+                <a:solidFill>
+                  <a:schemeClr val="accent2"/>
+                </a:solidFill>
+              </a:rPr>
+              <a:t>Pride/communication in the team</a:t>
+            </a:r>
+          </a:p>
+          <a:p>
+            <a:pPr marL="742950" lvl="1" indent="-285750">
+              <a:buFont typeface="Wingdings" panose="05000000000000000000" pitchFamily="2" charset="2"/>
+              <a:buChar char="Ø"/>
+            </a:pPr>
+            <a:r>
+              <a:rPr lang="en-US" dirty="0" smtClean="0">
+                <a:solidFill>
+                  <a:schemeClr val="accent2"/>
+                </a:solidFill>
+              </a:rPr>
+              <a:t>Balance between completing work/free capacity</a:t>
+            </a:r>
+          </a:p>
+          <a:p>
+            <a:pPr marL="285750" indent="-285750">
+              <a:buFont typeface="Wingdings" panose="05000000000000000000" pitchFamily="2" charset="2"/>
+              <a:buChar char="Ø"/>
+            </a:pPr>
+            <a:endParaRPr lang="en-US" dirty="0" smtClean="0">
+              <a:solidFill>
+                <a:schemeClr val="accent2"/>
+              </a:solidFill>
+            </a:endParaRPr>
+          </a:p>
+          <a:p>
+            <a:pPr marL="285750" indent="-285750">
+              <a:buFont typeface="Wingdings" panose="05000000000000000000" pitchFamily="2" charset="2"/>
+              <a:buChar char="Ø"/>
+            </a:pPr>
+            <a:r>
+              <a:rPr lang="en-US" dirty="0" err="1" smtClean="0">
+                <a:solidFill>
+                  <a:schemeClr val="accent2"/>
+                </a:solidFill>
+              </a:rPr>
+              <a:t>Otpp</a:t>
+            </a:r>
+            <a:r>
+              <a:rPr lang="en-US" dirty="0" smtClean="0">
+                <a:solidFill>
+                  <a:schemeClr val="accent2"/>
+                </a:solidFill>
+              </a:rPr>
+              <a:t>-ng-scripts</a:t>
+            </a:r>
+          </a:p>
+          <a:p>
+            <a:pPr marL="742950" lvl="1" indent="-285750">
+              <a:buFont typeface="Wingdings" panose="05000000000000000000" pitchFamily="2" charset="2"/>
+              <a:buChar char="Ø"/>
+            </a:pPr>
+            <a:r>
+              <a:rPr lang="en-US" dirty="0" smtClean="0">
+                <a:solidFill>
+                  <a:schemeClr val="accent2"/>
+                </a:solidFill>
+              </a:rPr>
+              <a:t>Incremental benefits save lots of time/frustration</a:t>
+            </a:r>
+            <a:endParaRPr lang="en-US" dirty="0">
+              <a:solidFill>
+                <a:schemeClr val="accent2"/>
+              </a:solidFill>
+            </a:endParaRPr>
+          </a:p>
+          <a:p>
+            <a:endParaRPr lang="en-US" dirty="0" smtClean="0">
+              <a:solidFill>
+                <a:schemeClr val="accent2"/>
+              </a:solidFill>
+            </a:endParaRPr>
+          </a:p>
+          <a:p>
+            <a:pPr marL="285750" indent="-285750">
+              <a:buFont typeface="Wingdings" panose="05000000000000000000" pitchFamily="2" charset="2"/>
+              <a:buChar char="Ø"/>
+            </a:pPr>
+            <a:r>
+              <a:rPr lang="en-US" dirty="0" smtClean="0">
+                <a:solidFill>
+                  <a:schemeClr val="accent2"/>
+                </a:solidFill>
+              </a:rPr>
+              <a:t>Frontend experience?</a:t>
+            </a:r>
+          </a:p>
+          <a:p>
+            <a:pPr marL="285750" indent="-285750">
+              <a:buFont typeface="Wingdings" panose="05000000000000000000" pitchFamily="2" charset="2"/>
+              <a:buChar char="Ø"/>
+            </a:pPr>
+            <a:endParaRPr lang="en-US" dirty="0">
+              <a:solidFill>
+                <a:schemeClr val="accent2"/>
+              </a:solidFill>
+            </a:endParaRPr>
+          </a:p>
+          <a:p>
+            <a:pPr marL="285750" indent="-285750">
+              <a:buFont typeface="Wingdings" panose="05000000000000000000" pitchFamily="2" charset="2"/>
+              <a:buChar char="Ø"/>
+            </a:pPr>
+            <a:r>
+              <a:rPr lang="en-US" dirty="0" smtClean="0">
+                <a:solidFill>
+                  <a:schemeClr val="accent2"/>
+                </a:solidFill>
+              </a:rPr>
+              <a:t>Mentorship opportunity</a:t>
+            </a:r>
+          </a:p>
+          <a:p>
+            <a:pPr marL="285750" indent="-285750">
+              <a:buFont typeface="Wingdings" panose="05000000000000000000" pitchFamily="2" charset="2"/>
+              <a:buChar char="Ø"/>
+            </a:pPr>
+            <a:endParaRPr lang="en-US" dirty="0" smtClean="0">
+              <a:solidFill>
+                <a:schemeClr val="accent2"/>
+              </a:solidFill>
+            </a:endParaRPr>
+          </a:p>
+          <a:p>
+            <a:endParaRPr lang="en-US" dirty="0" smtClean="0"/>
+          </a:p>
+          <a:p>
+            <a:pPr marL="285750" indent="-285750">
+              <a:buFontTx/>
+              <a:buChar char="-"/>
+            </a:pPr>
+            <a:endParaRPr lang="en-US" dirty="0"/>
+          </a:p>
+          <a:p>
+            <a:pPr marL="285750" indent="-285750">
+              <a:buFontTx/>
+              <a:buChar char="-"/>
+            </a:pPr>
+            <a:endParaRPr lang="en-US" dirty="0" smtClean="0"/>
+          </a:p>
+          <a:p>
+            <a:pPr marL="285750" indent="-285750">
+              <a:buFontTx/>
+              <a:buChar char="-"/>
+            </a:pPr>
+            <a:endParaRPr lang="en-US" dirty="0"/>
+          </a:p>
+          <a:p>
+            <a:pPr marL="285750" indent="-285750">
+              <a:buFontTx/>
+              <a:buChar char="-"/>
+            </a:pPr>
+            <a:endParaRPr lang="en-US" dirty="0" smtClean="0"/>
+          </a:p>
+          <a:p>
+            <a:endParaRPr lang="en-US" dirty="0"/>
+          </a:p>
+          <a:p>
+            <a:endParaRPr lang="en-US" dirty="0"/>
+          </a:p>
+        </p:txBody>
+      </p:sp>
     </p:spTree>
     <p:extLst>
       <p:ext uri="{BB962C8B-B14F-4D97-AF65-F5344CB8AC3E}">
-        <p14:creationId xmlns:p14="http://schemas.microsoft.com/office/powerpoint/2010/main" val="895229597"/>
+        <p14:creationId xmlns:p14="http://schemas.microsoft.com/office/powerpoint/2010/main" val="2695285900"/>
       </p:ext>
     </p:extLst>
   </p:cSld>
@@ -6832,7 +7772,7 @@
                   <a:schemeClr val="accent2"/>
                 </a:solidFill>
               </a:rPr>
-              <a:t>Overall impressions</a:t>
+              <a:t>UI Test Boulder</a:t>
             </a:r>
             <a:endParaRPr lang="en-US" dirty="0">
               <a:solidFill>
@@ -6842,25 +7782,185 @@
           </a:p>
         </p:txBody>
       </p:sp>
-      <p:sp>
-        <p:nvSpPr>
-          <p:cNvPr id="3" name="Content Placeholder 2"/>
-          <p:cNvSpPr>
-            <a:spLocks noGrp="1"/>
-          </p:cNvSpPr>
+      <p:pic>
+        <p:nvPicPr>
+          <p:cNvPr id="4" name="Content Placeholder 3"/>
+          <p:cNvPicPr>
+            <a:picLocks noGrp="1" noChangeAspect="1"/>
+          </p:cNvPicPr>
           <p:nvPr>
             <p:ph idx="1"/>
           </p:nvPr>
-        </p:nvSpPr>
-        <p:spPr/>
-        <p:txBody>
-          <a:bodyPr/>
+        </p:nvPicPr>
+        <p:blipFill>
+          <a:blip r:embed="rId2">
+            <a:extLst>
+              <a:ext uri="{28A0092B-C50C-407E-A947-70E740481C1C}">
+                <a14:useLocalDpi xmlns:a14="http://schemas.microsoft.com/office/drawing/2010/main" val="0"/>
+              </a:ext>
+            </a:extLst>
+          </a:blip>
+          <a:stretch>
+            <a:fillRect/>
+          </a:stretch>
+        </p:blipFill>
+        <p:spPr>
+          <a:xfrm>
+            <a:off x="677334" y="1591716"/>
+            <a:ext cx="3993110" cy="3993110"/>
+          </a:xfrm>
+        </p:spPr>
+      </p:pic>
+      <p:sp>
+        <p:nvSpPr>
+          <p:cNvPr id="5" name="TextBox 4"/>
+          <p:cNvSpPr txBox="1"/>
+          <p:nvPr/>
+        </p:nvSpPr>
+        <p:spPr>
+          <a:xfrm>
+            <a:off x="5382200" y="1591716"/>
+            <a:ext cx="4603558" cy="4524315"/>
+          </a:xfrm>
+          <a:prstGeom prst="rect">
+            <a:avLst/>
+          </a:prstGeom>
+          <a:noFill/>
+        </p:spPr>
+        <p:txBody>
+          <a:bodyPr wrap="square" rtlCol="0">
+            <a:spAutoFit/>
+          </a:bodyPr>
           <a:lstStyle/>
           <a:p>
-            <a:r>
-              <a:rPr lang="en-US" dirty="0" smtClean="0"/>
-              <a:t>Culture of learning</a:t>
-            </a:r>
+            <a:endParaRPr lang="en-US" dirty="0">
+              <a:solidFill>
+                <a:schemeClr val="accent2"/>
+              </a:solidFill>
+            </a:endParaRPr>
+          </a:p>
+          <a:p>
+            <a:pPr marL="285750" indent="-285750">
+              <a:buFont typeface="Wingdings" panose="05000000000000000000" pitchFamily="2" charset="2"/>
+              <a:buChar char="Ø"/>
+            </a:pPr>
+            <a:r>
+              <a:rPr lang="en-US" dirty="0" smtClean="0">
+                <a:solidFill>
+                  <a:schemeClr val="accent2"/>
+                </a:solidFill>
+              </a:rPr>
+              <a:t>Convert sections of Client Desktop to web components</a:t>
+            </a:r>
+          </a:p>
+          <a:p>
+            <a:pPr marL="285750" indent="-285750">
+              <a:buFont typeface="Wingdings" panose="05000000000000000000" pitchFamily="2" charset="2"/>
+              <a:buChar char="Ø"/>
+            </a:pPr>
+            <a:endParaRPr lang="en-US" dirty="0">
+              <a:solidFill>
+                <a:schemeClr val="accent2"/>
+              </a:solidFill>
+            </a:endParaRPr>
+          </a:p>
+          <a:p>
+            <a:pPr marL="285750" indent="-285750">
+              <a:buFont typeface="Wingdings" panose="05000000000000000000" pitchFamily="2" charset="2"/>
+              <a:buChar char="Ø"/>
+            </a:pPr>
+            <a:r>
+              <a:rPr lang="en-US" dirty="0" smtClean="0">
+                <a:solidFill>
+                  <a:schemeClr val="accent2"/>
+                </a:solidFill>
+              </a:rPr>
+              <a:t>Add stable automated test coverage</a:t>
+            </a:r>
+            <a:endParaRPr lang="en-US" dirty="0">
+              <a:solidFill>
+                <a:schemeClr val="accent2"/>
+              </a:solidFill>
+            </a:endParaRPr>
+          </a:p>
+          <a:p>
+            <a:endParaRPr lang="en-US" dirty="0">
+              <a:solidFill>
+                <a:schemeClr val="accent2"/>
+              </a:solidFill>
+            </a:endParaRPr>
+          </a:p>
+          <a:p>
+            <a:pPr marL="285750" indent="-285750">
+              <a:buFont typeface="Wingdings" panose="05000000000000000000" pitchFamily="2" charset="2"/>
+              <a:buChar char="Ø"/>
+            </a:pPr>
+            <a:r>
+              <a:rPr lang="en-US" dirty="0" smtClean="0">
+                <a:solidFill>
+                  <a:schemeClr val="accent2"/>
+                </a:solidFill>
+              </a:rPr>
+              <a:t>Components are readable, easily reusable</a:t>
+            </a:r>
+          </a:p>
+          <a:p>
+            <a:pPr marL="285750" indent="-285750">
+              <a:buFont typeface="Wingdings" panose="05000000000000000000" pitchFamily="2" charset="2"/>
+              <a:buChar char="Ø"/>
+            </a:pPr>
+            <a:endParaRPr lang="en-US" dirty="0">
+              <a:solidFill>
+                <a:schemeClr val="accent2"/>
+              </a:solidFill>
+            </a:endParaRPr>
+          </a:p>
+          <a:p>
+            <a:pPr marL="285750" indent="-285750">
+              <a:buFont typeface="Wingdings" panose="05000000000000000000" pitchFamily="2" charset="2"/>
+              <a:buChar char="Ø"/>
+            </a:pPr>
+            <a:r>
+              <a:rPr lang="en-US" dirty="0" smtClean="0">
+                <a:solidFill>
+                  <a:schemeClr val="accent2"/>
+                </a:solidFill>
+              </a:rPr>
+              <a:t>Less work to </a:t>
+            </a:r>
+            <a:r>
+              <a:rPr lang="en-US" dirty="0" smtClean="0">
+                <a:solidFill>
+                  <a:schemeClr val="accent2"/>
+                </a:solidFill>
+              </a:rPr>
+              <a:t>upgrade to new version of Angular or even React</a:t>
+            </a:r>
+            <a:endParaRPr lang="en-US" dirty="0"/>
+          </a:p>
+          <a:p>
+            <a:pPr marL="285750" indent="-285750">
+              <a:buFontTx/>
+              <a:buChar char="-"/>
+            </a:pPr>
+            <a:endParaRPr lang="en-US" dirty="0" smtClean="0"/>
+          </a:p>
+          <a:p>
+            <a:pPr marL="285750" indent="-285750">
+              <a:buFontTx/>
+              <a:buChar char="-"/>
+            </a:pPr>
+            <a:endParaRPr lang="en-US" dirty="0"/>
+          </a:p>
+          <a:p>
+            <a:pPr marL="285750" indent="-285750">
+              <a:buFontTx/>
+              <a:buChar char="-"/>
+            </a:pPr>
+            <a:endParaRPr lang="en-US" dirty="0" smtClean="0"/>
+          </a:p>
+          <a:p>
+            <a:endParaRPr lang="en-US" dirty="0"/>
           </a:p>
           <a:p>
             <a:endParaRPr lang="en-US" dirty="0"/>
@@ -6870,7 +7970,622 @@
     </p:spTree>
     <p:extLst>
       <p:ext uri="{BB962C8B-B14F-4D97-AF65-F5344CB8AC3E}">
-        <p14:creationId xmlns:p14="http://schemas.microsoft.com/office/powerpoint/2010/main" val="2742292155"/>
+        <p14:creationId xmlns:p14="http://schemas.microsoft.com/office/powerpoint/2010/main" val="895229597"/>
+      </p:ext>
+    </p:extLst>
+  </p:cSld>
+  <p:clrMapOvr>
+    <a:masterClrMapping/>
+  </p:clrMapOvr>
+  <p:timing>
+    <p:tnLst>
+      <p:par>
+        <p:cTn id="1" dur="indefinite" restart="never" nodeType="tmRoot"/>
+      </p:par>
+    </p:tnLst>
+  </p:timing>
+</p:sld>
+</file>
+
+<file path=ppt/slides/slide8.xml><?xml version="1.0" encoding="utf-8"?>
+<p:sld xmlns:a="http://schemas.openxmlformats.org/drawingml/2006/main" xmlns:r="http://schemas.openxmlformats.org/officeDocument/2006/relationships" xmlns:p="http://schemas.openxmlformats.org/presentationml/2006/main">
+  <p:cSld>
+    <p:spTree>
+      <p:nvGrpSpPr>
+        <p:cNvPr id="1" name=""/>
+        <p:cNvGrpSpPr/>
+        <p:nvPr/>
+      </p:nvGrpSpPr>
+      <p:grpSpPr>
+        <a:xfrm>
+          <a:off x="0" y="0"/>
+          <a:ext cx="0" cy="0"/>
+          <a:chOff x="0" y="0"/>
+          <a:chExt cx="0" cy="0"/>
+        </a:xfrm>
+      </p:grpSpPr>
+      <p:sp>
+        <p:nvSpPr>
+          <p:cNvPr id="2" name="Title 1"/>
+          <p:cNvSpPr>
+            <a:spLocks noGrp="1"/>
+          </p:cNvSpPr>
+          <p:nvPr>
+            <p:ph type="title"/>
+          </p:nvPr>
+        </p:nvSpPr>
+        <p:spPr>
+          <a:xfrm>
+            <a:off x="925416" y="609600"/>
+            <a:ext cx="8596668" cy="1320800"/>
+          </a:xfrm>
+        </p:spPr>
+        <p:txBody>
+          <a:bodyPr/>
+          <a:lstStyle/>
+          <a:p>
+            <a:r>
+              <a:rPr lang="en-US" dirty="0" smtClean="0">
+                <a:solidFill>
+                  <a:schemeClr val="accent2"/>
+                </a:solidFill>
+              </a:rPr>
+              <a:t>The Big Picture</a:t>
+            </a:r>
+            <a:endParaRPr lang="en-US" dirty="0">
+              <a:solidFill>
+                <a:schemeClr val="accent2"/>
+              </a:solidFill>
+            </a:endParaRPr>
+          </a:p>
+        </p:txBody>
+      </p:sp>
+      <p:pic>
+        <p:nvPicPr>
+          <p:cNvPr id="4" name="Content Placeholder 3"/>
+          <p:cNvPicPr>
+            <a:picLocks noGrp="1" noChangeAspect="1"/>
+          </p:cNvPicPr>
+          <p:nvPr>
+            <p:ph idx="1"/>
+          </p:nvPr>
+        </p:nvPicPr>
+        <p:blipFill>
+          <a:blip r:embed="rId2">
+            <a:extLst>
+              <a:ext uri="{28A0092B-C50C-407E-A947-70E740481C1C}">
+                <a14:useLocalDpi xmlns:a14="http://schemas.microsoft.com/office/drawing/2010/main" val="0"/>
+              </a:ext>
+            </a:extLst>
+          </a:blip>
+          <a:stretch>
+            <a:fillRect/>
+          </a:stretch>
+        </p:blipFill>
+        <p:spPr>
+          <a:xfrm>
+            <a:off x="925416" y="1634836"/>
+            <a:ext cx="3149014" cy="4043334"/>
+          </a:xfrm>
+        </p:spPr>
+      </p:pic>
+      <p:sp>
+        <p:nvSpPr>
+          <p:cNvPr id="5" name="TextBox 4"/>
+          <p:cNvSpPr txBox="1"/>
+          <p:nvPr/>
+        </p:nvSpPr>
+        <p:spPr>
+          <a:xfrm>
+            <a:off x="4681461" y="1634836"/>
+            <a:ext cx="4603558" cy="6186309"/>
+          </a:xfrm>
+          <a:prstGeom prst="rect">
+            <a:avLst/>
+          </a:prstGeom>
+          <a:noFill/>
+        </p:spPr>
+        <p:txBody>
+          <a:bodyPr wrap="square" rtlCol="0">
+            <a:spAutoFit/>
+          </a:bodyPr>
+          <a:lstStyle/>
+          <a:p>
+            <a:endParaRPr lang="en-US" dirty="0">
+              <a:solidFill>
+                <a:schemeClr val="accent2"/>
+              </a:solidFill>
+            </a:endParaRPr>
+          </a:p>
+          <a:p>
+            <a:pPr marL="285750" indent="-285750">
+              <a:buFont typeface="Wingdings" panose="05000000000000000000" pitchFamily="2" charset="2"/>
+              <a:buChar char="Ø"/>
+            </a:pPr>
+            <a:r>
+              <a:rPr lang="en-US" dirty="0" smtClean="0">
+                <a:solidFill>
+                  <a:schemeClr val="accent2"/>
+                </a:solidFill>
+              </a:rPr>
+              <a:t>Culture</a:t>
+            </a:r>
+          </a:p>
+          <a:p>
+            <a:pPr marL="742950" lvl="1" indent="-285750">
+              <a:buFont typeface="Wingdings" panose="05000000000000000000" pitchFamily="2" charset="2"/>
+              <a:buChar char="Ø"/>
+            </a:pPr>
+            <a:r>
+              <a:rPr lang="en-US" dirty="0" smtClean="0">
+                <a:solidFill>
+                  <a:schemeClr val="accent2"/>
+                </a:solidFill>
+              </a:rPr>
+              <a:t>Great people</a:t>
+            </a:r>
+          </a:p>
+          <a:p>
+            <a:pPr marL="742950" lvl="1" indent="-285750">
+              <a:buFont typeface="Wingdings" panose="05000000000000000000" pitchFamily="2" charset="2"/>
+              <a:buChar char="Ø"/>
+            </a:pPr>
+            <a:r>
+              <a:rPr lang="en-US" dirty="0" smtClean="0">
+                <a:solidFill>
+                  <a:schemeClr val="accent2"/>
+                </a:solidFill>
+              </a:rPr>
+              <a:t>Learning opportunities</a:t>
+            </a:r>
+          </a:p>
+          <a:p>
+            <a:pPr marL="742950" lvl="1" indent="-285750">
+              <a:buFont typeface="Wingdings" panose="05000000000000000000" pitchFamily="2" charset="2"/>
+              <a:buChar char="Ø"/>
+            </a:pPr>
+            <a:r>
+              <a:rPr lang="en-US" dirty="0" smtClean="0">
+                <a:solidFill>
+                  <a:schemeClr val="accent2"/>
+                </a:solidFill>
+              </a:rPr>
+              <a:t>Why?</a:t>
+            </a:r>
+            <a:endParaRPr lang="en-US" dirty="0" smtClean="0">
+              <a:solidFill>
+                <a:schemeClr val="accent2"/>
+              </a:solidFill>
+            </a:endParaRPr>
+          </a:p>
+          <a:p>
+            <a:endParaRPr lang="en-US" dirty="0" smtClean="0">
+              <a:solidFill>
+                <a:schemeClr val="accent2"/>
+              </a:solidFill>
+            </a:endParaRPr>
+          </a:p>
+          <a:p>
+            <a:pPr marL="285750" indent="-285750">
+              <a:buFont typeface="Wingdings" panose="05000000000000000000" pitchFamily="2" charset="2"/>
+              <a:buChar char="Ø"/>
+            </a:pPr>
+            <a:r>
+              <a:rPr lang="en-US" dirty="0" smtClean="0">
+                <a:solidFill>
+                  <a:schemeClr val="accent2"/>
+                </a:solidFill>
+              </a:rPr>
+              <a:t>Knowledgeable mentors</a:t>
+            </a:r>
+          </a:p>
+          <a:p>
+            <a:pPr marL="285750" indent="-285750">
+              <a:buFont typeface="Wingdings" panose="05000000000000000000" pitchFamily="2" charset="2"/>
+              <a:buChar char="Ø"/>
+            </a:pPr>
+            <a:endParaRPr lang="en-US" dirty="0">
+              <a:solidFill>
+                <a:schemeClr val="accent2"/>
+              </a:solidFill>
+            </a:endParaRPr>
+          </a:p>
+          <a:p>
+            <a:pPr marL="285750" indent="-285750">
+              <a:buFont typeface="Wingdings" panose="05000000000000000000" pitchFamily="2" charset="2"/>
+              <a:buChar char="Ø"/>
+            </a:pPr>
+            <a:r>
+              <a:rPr lang="en-US" dirty="0" smtClean="0">
+                <a:solidFill>
+                  <a:schemeClr val="accent2"/>
+                </a:solidFill>
+              </a:rPr>
+              <a:t>Same responsibility as any other full time dev</a:t>
+            </a:r>
+            <a:endParaRPr lang="en-US" dirty="0">
+              <a:solidFill>
+                <a:schemeClr val="accent2"/>
+              </a:solidFill>
+            </a:endParaRPr>
+          </a:p>
+          <a:p>
+            <a:endParaRPr lang="en-US" dirty="0" smtClean="0">
+              <a:solidFill>
+                <a:schemeClr val="accent2"/>
+              </a:solidFill>
+            </a:endParaRPr>
+          </a:p>
+          <a:p>
+            <a:pPr marL="285750" indent="-285750">
+              <a:buFont typeface="Wingdings" panose="05000000000000000000" pitchFamily="2" charset="2"/>
+              <a:buChar char="Ø"/>
+            </a:pPr>
+            <a:r>
+              <a:rPr lang="en-US" dirty="0" smtClean="0">
+                <a:solidFill>
+                  <a:schemeClr val="accent2"/>
+                </a:solidFill>
+              </a:rPr>
+              <a:t>Concerns?</a:t>
+            </a:r>
+          </a:p>
+          <a:p>
+            <a:pPr marL="742950" lvl="1" indent="-285750">
+              <a:buFont typeface="Wingdings" panose="05000000000000000000" pitchFamily="2" charset="2"/>
+              <a:buChar char="Ø"/>
+            </a:pPr>
+            <a:r>
+              <a:rPr lang="en-US" dirty="0" smtClean="0">
+                <a:solidFill>
+                  <a:schemeClr val="accent2"/>
+                </a:solidFill>
+              </a:rPr>
+              <a:t>Knowledge sharing/SBPUG losing steam</a:t>
+            </a:r>
+          </a:p>
+          <a:p>
+            <a:pPr marL="742950" lvl="1" indent="-285750">
+              <a:buFont typeface="Wingdings" panose="05000000000000000000" pitchFamily="2" charset="2"/>
+              <a:buChar char="Ø"/>
+            </a:pPr>
+            <a:r>
+              <a:rPr lang="en-US" dirty="0" smtClean="0">
+                <a:solidFill>
+                  <a:schemeClr val="accent2"/>
+                </a:solidFill>
+              </a:rPr>
+              <a:t>Testing as a bottleneck in Agile</a:t>
+            </a:r>
+            <a:endParaRPr lang="en-US" dirty="0">
+              <a:solidFill>
+                <a:schemeClr val="accent2"/>
+              </a:solidFill>
+            </a:endParaRPr>
+          </a:p>
+          <a:p>
+            <a:pPr marL="285750" indent="-285750">
+              <a:buFont typeface="Wingdings" panose="05000000000000000000" pitchFamily="2" charset="2"/>
+              <a:buChar char="Ø"/>
+            </a:pPr>
+            <a:endParaRPr lang="en-US" dirty="0">
+              <a:solidFill>
+                <a:schemeClr val="accent2"/>
+              </a:solidFill>
+            </a:endParaRPr>
+          </a:p>
+          <a:p>
+            <a:pPr marL="285750" indent="-285750">
+              <a:buFont typeface="Wingdings" panose="05000000000000000000" pitchFamily="2" charset="2"/>
+              <a:buChar char="Ø"/>
+            </a:pPr>
+            <a:endParaRPr lang="en-US" dirty="0"/>
+          </a:p>
+          <a:p>
+            <a:pPr marL="285750" indent="-285750">
+              <a:buFontTx/>
+              <a:buChar char="-"/>
+            </a:pPr>
+            <a:endParaRPr lang="en-US" dirty="0" smtClean="0"/>
+          </a:p>
+          <a:p>
+            <a:pPr marL="285750" indent="-285750">
+              <a:buFontTx/>
+              <a:buChar char="-"/>
+            </a:pPr>
+            <a:endParaRPr lang="en-US" dirty="0"/>
+          </a:p>
+          <a:p>
+            <a:pPr marL="285750" indent="-285750">
+              <a:buFontTx/>
+              <a:buChar char="-"/>
+            </a:pPr>
+            <a:endParaRPr lang="en-US" dirty="0" smtClean="0"/>
+          </a:p>
+          <a:p>
+            <a:endParaRPr lang="en-US" dirty="0"/>
+          </a:p>
+          <a:p>
+            <a:endParaRPr lang="en-US" dirty="0"/>
+          </a:p>
+        </p:txBody>
+      </p:sp>
+    </p:spTree>
+    <p:extLst>
+      <p:ext uri="{BB962C8B-B14F-4D97-AF65-F5344CB8AC3E}">
+        <p14:creationId xmlns:p14="http://schemas.microsoft.com/office/powerpoint/2010/main" val="3585455166"/>
+      </p:ext>
+    </p:extLst>
+  </p:cSld>
+  <p:clrMapOvr>
+    <a:masterClrMapping/>
+  </p:clrMapOvr>
+  <p:timing>
+    <p:tnLst>
+      <p:par>
+        <p:cTn id="1" dur="indefinite" restart="never" nodeType="tmRoot"/>
+      </p:par>
+    </p:tnLst>
+  </p:timing>
+</p:sld>
+</file>
+
+<file path=ppt/slides/slide9.xml><?xml version="1.0" encoding="utf-8"?>
+<p:sld xmlns:a="http://schemas.openxmlformats.org/drawingml/2006/main" xmlns:r="http://schemas.openxmlformats.org/officeDocument/2006/relationships" xmlns:p="http://schemas.openxmlformats.org/presentationml/2006/main">
+  <p:cSld>
+    <p:spTree>
+      <p:nvGrpSpPr>
+        <p:cNvPr id="1" name=""/>
+        <p:cNvGrpSpPr/>
+        <p:nvPr/>
+      </p:nvGrpSpPr>
+      <p:grpSpPr>
+        <a:xfrm>
+          <a:off x="0" y="0"/>
+          <a:ext cx="0" cy="0"/>
+          <a:chOff x="0" y="0"/>
+          <a:chExt cx="0" cy="0"/>
+        </a:xfrm>
+      </p:grpSpPr>
+      <p:sp>
+        <p:nvSpPr>
+          <p:cNvPr id="2" name="Title 1"/>
+          <p:cNvSpPr>
+            <a:spLocks noGrp="1"/>
+          </p:cNvSpPr>
+          <p:nvPr>
+            <p:ph type="title"/>
+          </p:nvPr>
+        </p:nvSpPr>
+        <p:spPr>
+          <a:xfrm>
+            <a:off x="491030" y="829056"/>
+            <a:ext cx="8596668" cy="1320800"/>
+          </a:xfrm>
+        </p:spPr>
+        <p:txBody>
+          <a:bodyPr/>
+          <a:lstStyle/>
+          <a:p>
+            <a:r>
+              <a:rPr lang="en-US" dirty="0" smtClean="0">
+                <a:solidFill>
+                  <a:schemeClr val="accent2"/>
+                </a:solidFill>
+              </a:rPr>
+              <a:t>Winning culture</a:t>
+            </a:r>
+            <a:endParaRPr lang="en-US" dirty="0">
+              <a:solidFill>
+                <a:schemeClr val="accent2"/>
+              </a:solidFill>
+            </a:endParaRPr>
+          </a:p>
+        </p:txBody>
+      </p:sp>
+      <p:pic>
+        <p:nvPicPr>
+          <p:cNvPr id="4" name="Content Placeholder 3"/>
+          <p:cNvPicPr>
+            <a:picLocks noGrp="1" noChangeAspect="1"/>
+          </p:cNvPicPr>
+          <p:nvPr>
+            <p:ph idx="1"/>
+          </p:nvPr>
+        </p:nvPicPr>
+        <p:blipFill>
+          <a:blip r:embed="rId2" cstate="print">
+            <a:extLst>
+              <a:ext uri="{28A0092B-C50C-407E-A947-70E740481C1C}">
+                <a14:useLocalDpi xmlns:a14="http://schemas.microsoft.com/office/drawing/2010/main" val="0"/>
+              </a:ext>
+            </a:extLst>
+          </a:blip>
+          <a:stretch>
+            <a:fillRect/>
+          </a:stretch>
+        </p:blipFill>
+        <p:spPr>
+          <a:xfrm>
+            <a:off x="491030" y="2032266"/>
+            <a:ext cx="4251766" cy="2960027"/>
+          </a:xfrm>
+        </p:spPr>
+      </p:pic>
+      <p:sp>
+        <p:nvSpPr>
+          <p:cNvPr id="5" name="TextBox 4"/>
+          <p:cNvSpPr txBox="1"/>
+          <p:nvPr/>
+        </p:nvSpPr>
+        <p:spPr>
+          <a:xfrm>
+            <a:off x="4854455" y="1930400"/>
+            <a:ext cx="4603558" cy="4524315"/>
+          </a:xfrm>
+          <a:prstGeom prst="rect">
+            <a:avLst/>
+          </a:prstGeom>
+          <a:noFill/>
+        </p:spPr>
+        <p:txBody>
+          <a:bodyPr wrap="square" rtlCol="0">
+            <a:spAutoFit/>
+          </a:bodyPr>
+          <a:lstStyle/>
+          <a:p>
+            <a:endParaRPr lang="en-US" dirty="0">
+              <a:solidFill>
+                <a:schemeClr val="accent2"/>
+              </a:solidFill>
+            </a:endParaRPr>
+          </a:p>
+          <a:p>
+            <a:pPr marL="285750" indent="-285750">
+              <a:buFont typeface="Wingdings" panose="05000000000000000000" pitchFamily="2" charset="2"/>
+              <a:buChar char="Ø"/>
+            </a:pPr>
+            <a:r>
+              <a:rPr lang="en-US" dirty="0" smtClean="0">
+                <a:solidFill>
+                  <a:schemeClr val="accent2"/>
+                </a:solidFill>
+              </a:rPr>
+              <a:t>Great people</a:t>
+            </a:r>
+          </a:p>
+          <a:p>
+            <a:endParaRPr lang="en-US" dirty="0" smtClean="0">
+              <a:solidFill>
+                <a:schemeClr val="accent2"/>
+              </a:solidFill>
+            </a:endParaRPr>
+          </a:p>
+          <a:p>
+            <a:pPr marL="285750" indent="-285750">
+              <a:buFont typeface="Wingdings" panose="05000000000000000000" pitchFamily="2" charset="2"/>
+              <a:buChar char="Ø"/>
+            </a:pPr>
+            <a:r>
+              <a:rPr lang="en-US" dirty="0" smtClean="0">
+                <a:solidFill>
+                  <a:schemeClr val="accent2"/>
+                </a:solidFill>
+              </a:rPr>
+              <a:t>Culture of learning</a:t>
+            </a:r>
+          </a:p>
+          <a:p>
+            <a:pPr marL="742950" lvl="1" indent="-285750">
+              <a:buFont typeface="Wingdings" panose="05000000000000000000" pitchFamily="2" charset="2"/>
+              <a:buChar char="Ø"/>
+            </a:pPr>
+            <a:r>
+              <a:rPr lang="en-US" dirty="0" smtClean="0">
+                <a:solidFill>
+                  <a:schemeClr val="accent2"/>
+                </a:solidFill>
+              </a:rPr>
+              <a:t>Make sure something about SBPUG/</a:t>
+            </a:r>
+          </a:p>
+          <a:p>
+            <a:pPr marL="285750" indent="-285750">
+              <a:buFont typeface="Wingdings" panose="05000000000000000000" pitchFamily="2" charset="2"/>
+              <a:buChar char="Ø"/>
+            </a:pPr>
+            <a:endParaRPr lang="en-US" dirty="0">
+              <a:solidFill>
+                <a:schemeClr val="accent2"/>
+              </a:solidFill>
+            </a:endParaRPr>
+          </a:p>
+          <a:p>
+            <a:pPr marL="285750" indent="-285750">
+              <a:buFont typeface="Wingdings" panose="05000000000000000000" pitchFamily="2" charset="2"/>
+              <a:buChar char="Ø"/>
+            </a:pPr>
+            <a:r>
+              <a:rPr lang="en-US" dirty="0" smtClean="0">
+                <a:solidFill>
+                  <a:schemeClr val="accent2"/>
+                </a:solidFill>
+              </a:rPr>
+              <a:t>Anyone’s opinion is respected</a:t>
+            </a:r>
+          </a:p>
+          <a:p>
+            <a:pPr marL="742950" lvl="1" indent="-285750">
+              <a:buFont typeface="Wingdings" panose="05000000000000000000" pitchFamily="2" charset="2"/>
+              <a:buChar char="Ø"/>
+            </a:pPr>
+            <a:r>
+              <a:rPr lang="en-US" dirty="0" smtClean="0">
+                <a:solidFill>
+                  <a:schemeClr val="accent2"/>
+                </a:solidFill>
+              </a:rPr>
+              <a:t>Why?</a:t>
+            </a:r>
+          </a:p>
+          <a:p>
+            <a:pPr marL="285750" indent="-285750">
+              <a:buFont typeface="Wingdings" panose="05000000000000000000" pitchFamily="2" charset="2"/>
+              <a:buChar char="Ø"/>
+            </a:pPr>
+            <a:endParaRPr lang="en-US" dirty="0">
+              <a:solidFill>
+                <a:schemeClr val="accent2"/>
+              </a:solidFill>
+            </a:endParaRPr>
+          </a:p>
+          <a:p>
+            <a:endParaRPr lang="en-US" dirty="0">
+              <a:solidFill>
+                <a:schemeClr val="accent2"/>
+              </a:solidFill>
+            </a:endParaRPr>
+          </a:p>
+          <a:p>
+            <a:pPr marL="285750" indent="-285750">
+              <a:buFont typeface="Wingdings" panose="05000000000000000000" pitchFamily="2" charset="2"/>
+              <a:buChar char="Ø"/>
+            </a:pPr>
+            <a:endParaRPr lang="en-US" dirty="0"/>
+          </a:p>
+          <a:p>
+            <a:pPr marL="285750" indent="-285750">
+              <a:buFontTx/>
+              <a:buChar char="-"/>
+            </a:pPr>
+            <a:endParaRPr lang="en-US" dirty="0" smtClean="0"/>
+          </a:p>
+          <a:p>
+            <a:pPr marL="285750" indent="-285750">
+              <a:buFontTx/>
+              <a:buChar char="-"/>
+            </a:pPr>
+            <a:endParaRPr lang="en-US" dirty="0"/>
+          </a:p>
+          <a:p>
+            <a:pPr marL="285750" indent="-285750">
+              <a:buFontTx/>
+              <a:buChar char="-"/>
+            </a:pPr>
+            <a:endParaRPr lang="en-US" dirty="0" smtClean="0"/>
+          </a:p>
+          <a:p>
+            <a:endParaRPr lang="en-US" dirty="0"/>
+          </a:p>
+          <a:p>
+            <a:endParaRPr lang="en-US" dirty="0"/>
+          </a:p>
+        </p:txBody>
+      </p:sp>
+    </p:spTree>
+    <p:extLst>
+      <p:ext uri="{BB962C8B-B14F-4D97-AF65-F5344CB8AC3E}">
+        <p14:creationId xmlns:p14="http://schemas.microsoft.com/office/powerpoint/2010/main" val="1870233166"/>
       </p:ext>
     </p:extLst>
   </p:cSld>
